--- a/uidesign.pptx
+++ b/uidesign.pptx
@@ -4915,8 +4915,8 @@
         </p:nvSpPr>
         <p:spPr>
           <a:xfrm>
-            <a:off x="193165" y="658553"/>
-            <a:ext cx="2207172" cy="3139321"/>
+            <a:off x="24247" y="0"/>
+            <a:ext cx="2207172" cy="3970318"/>
           </a:xfrm>
           <a:prstGeom prst="rect">
             <a:avLst/>
@@ -4938,6 +4938,21 @@
             <a:r>
               <a:rPr lang="en-US" dirty="0"/>
               <a:t>Operating</a:t>
+            </a:r>
+          </a:p>
+          <a:p>
+            <a:endParaRPr lang="en-US" dirty="0"/>
+          </a:p>
+          <a:p>
+            <a:r>
+              <a:rPr lang="en-US" dirty="0"/>
+              <a:t>Flashing Blue box:</a:t>
+            </a:r>
+          </a:p>
+          <a:p>
+            <a:r>
+              <a:rPr lang="en-US" dirty="0"/>
+              <a:t>Making Trade</a:t>
             </a:r>
           </a:p>
           <a:p>
@@ -5686,6 +5701,93 @@
           </a:fontRef>
         </p:style>
       </p:cxnSp>
+      <p:sp>
+        <p:nvSpPr>
+          <p:cNvPr id="48" name="TextBox 47">
+            <a:extLst>
+              <a:ext uri="{FF2B5EF4-FFF2-40B4-BE49-F238E27FC236}">
+                <a16:creationId xmlns:a16="http://schemas.microsoft.com/office/drawing/2014/main" id="{012AB3CA-AF3F-2F5C-9EF9-5789611A79F1}"/>
+              </a:ext>
+            </a:extLst>
+          </p:cNvPr>
+          <p:cNvSpPr txBox="1"/>
+          <p:nvPr/>
+        </p:nvSpPr>
+        <p:spPr>
+          <a:xfrm>
+            <a:off x="9952678" y="1439241"/>
+            <a:ext cx="1997588" cy="1200329"/>
+          </a:xfrm>
+          <a:prstGeom prst="rect">
+            <a:avLst/>
+          </a:prstGeom>
+          <a:noFill/>
+        </p:spPr>
+        <p:txBody>
+          <a:bodyPr wrap="square" rtlCol="0">
+            <a:spAutoFit/>
+          </a:bodyPr>
+          <a:lstStyle/>
+          <a:p>
+            <a:r>
+              <a:rPr lang="en-US" dirty="0"/>
+              <a:t>SDK outdate </a:t>
+            </a:r>
+            <a:r>
+              <a:rPr lang="ko-KR" altLang="en-US" dirty="0"/>
+              <a:t>되어 로딩되지 않았을 때 오류 핸들링 필수</a:t>
+            </a:r>
+            <a:endParaRPr lang="ko-US" dirty="0"/>
+          </a:p>
+        </p:txBody>
+      </p:sp>
+      <p:sp>
+        <p:nvSpPr>
+          <p:cNvPr id="49" name="왼쪽 화살표[L] 48">
+            <a:extLst>
+              <a:ext uri="{FF2B5EF4-FFF2-40B4-BE49-F238E27FC236}">
+                <a16:creationId xmlns:a16="http://schemas.microsoft.com/office/drawing/2014/main" id="{9A2579BB-F44E-CED3-5AEB-0F9F96C3676A}"/>
+              </a:ext>
+            </a:extLst>
+          </p:cNvPr>
+          <p:cNvSpPr/>
+          <p:nvPr/>
+        </p:nvSpPr>
+        <p:spPr>
+          <a:xfrm rot="21305815">
+            <a:off x="6205446" y="1879455"/>
+            <a:ext cx="3200950" cy="484632"/>
+          </a:xfrm>
+          <a:prstGeom prst="leftArrow">
+            <a:avLst/>
+          </a:prstGeom>
+          <a:solidFill>
+            <a:srgbClr val="92D050"/>
+          </a:solidFill>
+        </p:spPr>
+        <p:style>
+          <a:lnRef idx="2">
+            <a:schemeClr val="dk1"/>
+          </a:lnRef>
+          <a:fillRef idx="1">
+            <a:schemeClr val="lt1"/>
+          </a:fillRef>
+          <a:effectRef idx="0">
+            <a:schemeClr val="dk1"/>
+          </a:effectRef>
+          <a:fontRef idx="minor">
+            <a:schemeClr val="dk1"/>
+          </a:fontRef>
+        </p:style>
+        <p:txBody>
+          <a:bodyPr rtlCol="0" anchor="ctr"/>
+          <a:lstStyle/>
+          <a:p>
+            <a:pPr algn="ctr"/>
+            <a:endParaRPr lang="ko-US"/>
+          </a:p>
+        </p:txBody>
+      </p:sp>
     </p:spTree>
     <p:extLst>
       <p:ext uri="{BB962C8B-B14F-4D97-AF65-F5344CB8AC3E}">
@@ -8639,8 +8741,8 @@
         </p:nvSpPr>
         <p:spPr>
           <a:xfrm>
-            <a:off x="2406868" y="554726"/>
-            <a:ext cx="7567449" cy="5960374"/>
+            <a:off x="2406868" y="554725"/>
+            <a:ext cx="7567449" cy="6187819"/>
           </a:xfrm>
           <a:prstGeom prst="rect">
             <a:avLst/>
@@ -8735,7 +8837,7 @@
         </p:nvSpPr>
         <p:spPr>
           <a:xfrm>
-            <a:off x="2564523" y="6022429"/>
+            <a:off x="2564523" y="6297235"/>
             <a:ext cx="7252138" cy="328448"/>
           </a:xfrm>
           <a:prstGeom prst="rect">
@@ -8887,7 +8989,7 @@
         </p:nvGrpSpPr>
         <p:grpSpPr>
           <a:xfrm>
-            <a:off x="2564523" y="5462597"/>
+            <a:off x="2564523" y="5812445"/>
             <a:ext cx="7252138" cy="369332"/>
             <a:chOff x="2564523" y="2039007"/>
             <a:chExt cx="7252138" cy="369332"/>
@@ -8987,7 +9089,7 @@
         </p:nvSpPr>
         <p:spPr>
           <a:xfrm>
-            <a:off x="4813736" y="5485529"/>
+            <a:off x="4813736" y="5835377"/>
             <a:ext cx="2501462" cy="328448"/>
           </a:xfrm>
           <a:prstGeom prst="rect">
@@ -9816,13 +9918,15 @@
         </p:nvSpPr>
         <p:spPr>
           <a:xfrm>
-            <a:off x="7315198" y="5486621"/>
+            <a:off x="7315198" y="5836469"/>
             <a:ext cx="2501462" cy="328448"/>
           </a:xfrm>
           <a:prstGeom prst="rect">
             <a:avLst/>
           </a:prstGeom>
-          <a:noFill/>
+          <a:solidFill>
+            <a:schemeClr val="bg1"/>
+          </a:solidFill>
         </p:spPr>
         <p:style>
           <a:lnRef idx="2">
@@ -10224,50 +10328,6 @@
       </p:grpSp>
       <p:sp>
         <p:nvSpPr>
-          <p:cNvPr id="74" name="삼각형 73">
-            <a:extLst>
-              <a:ext uri="{FF2B5EF4-FFF2-40B4-BE49-F238E27FC236}">
-                <a16:creationId xmlns:a16="http://schemas.microsoft.com/office/drawing/2014/main" id="{07AED289-4948-3C73-0691-469243B309EA}"/>
-              </a:ext>
-            </a:extLst>
-          </p:cNvPr>
-          <p:cNvSpPr/>
-          <p:nvPr/>
-        </p:nvSpPr>
-        <p:spPr>
-          <a:xfrm flipV="1">
-            <a:off x="9539300" y="4542319"/>
-            <a:ext cx="176349" cy="152025"/>
-          </a:xfrm>
-          <a:prstGeom prst="triangle">
-            <a:avLst/>
-          </a:prstGeom>
-        </p:spPr>
-        <p:style>
-          <a:lnRef idx="2">
-            <a:schemeClr val="dk1"/>
-          </a:lnRef>
-          <a:fillRef idx="1">
-            <a:schemeClr val="lt1"/>
-          </a:fillRef>
-          <a:effectRef idx="0">
-            <a:schemeClr val="dk1"/>
-          </a:effectRef>
-          <a:fontRef idx="minor">
-            <a:schemeClr val="dk1"/>
-          </a:fontRef>
-        </p:style>
-        <p:txBody>
-          <a:bodyPr rtlCol="0" anchor="ctr"/>
-          <a:lstStyle/>
-          <a:p>
-            <a:pPr algn="ctr"/>
-            <a:endParaRPr lang="ko-US"/>
-          </a:p>
-        </p:txBody>
-      </p:sp>
-      <p:sp>
-        <p:nvSpPr>
           <p:cNvPr id="75" name="TextBox 74">
             <a:extLst>
               <a:ext uri="{FF2B5EF4-FFF2-40B4-BE49-F238E27FC236}">
@@ -10333,6 +10393,652 @@
         <p:spPr>
           <a:xfrm rot="2370464">
             <a:off x="9485113" y="3584291"/>
+            <a:ext cx="978408" cy="484632"/>
+          </a:xfrm>
+          <a:prstGeom prst="leftArrow">
+            <a:avLst/>
+          </a:prstGeom>
+          <a:solidFill>
+            <a:srgbClr val="92D050"/>
+          </a:solidFill>
+        </p:spPr>
+        <p:style>
+          <a:lnRef idx="2">
+            <a:schemeClr val="dk1"/>
+          </a:lnRef>
+          <a:fillRef idx="1">
+            <a:schemeClr val="lt1"/>
+          </a:fillRef>
+          <a:effectRef idx="0">
+            <a:schemeClr val="dk1"/>
+          </a:effectRef>
+          <a:fontRef idx="minor">
+            <a:schemeClr val="dk1"/>
+          </a:fontRef>
+        </p:style>
+        <p:txBody>
+          <a:bodyPr rtlCol="0" anchor="ctr"/>
+          <a:lstStyle/>
+          <a:p>
+            <a:pPr algn="ctr"/>
+            <a:endParaRPr lang="ko-US"/>
+          </a:p>
+        </p:txBody>
+      </p:sp>
+      <p:sp>
+        <p:nvSpPr>
+          <p:cNvPr id="77" name="왼쪽 화살표[L] 76">
+            <a:extLst>
+              <a:ext uri="{FF2B5EF4-FFF2-40B4-BE49-F238E27FC236}">
+                <a16:creationId xmlns:a16="http://schemas.microsoft.com/office/drawing/2014/main" id="{2001A3A9-7773-446E-C256-2A3615041F8C}"/>
+              </a:ext>
+            </a:extLst>
+          </p:cNvPr>
+          <p:cNvSpPr/>
+          <p:nvPr/>
+        </p:nvSpPr>
+        <p:spPr>
+          <a:xfrm rot="13549747">
+            <a:off x="1711564" y="3932292"/>
+            <a:ext cx="978408" cy="484632"/>
+          </a:xfrm>
+          <a:prstGeom prst="leftArrow">
+            <a:avLst/>
+          </a:prstGeom>
+          <a:solidFill>
+            <a:srgbClr val="92D050"/>
+          </a:solidFill>
+        </p:spPr>
+        <p:style>
+          <a:lnRef idx="2">
+            <a:schemeClr val="dk1"/>
+          </a:lnRef>
+          <a:fillRef idx="1">
+            <a:schemeClr val="lt1"/>
+          </a:fillRef>
+          <a:effectRef idx="0">
+            <a:schemeClr val="dk1"/>
+          </a:effectRef>
+          <a:fontRef idx="minor">
+            <a:schemeClr val="dk1"/>
+          </a:fontRef>
+        </p:style>
+        <p:txBody>
+          <a:bodyPr rtlCol="0" anchor="ctr"/>
+          <a:lstStyle/>
+          <a:p>
+            <a:pPr algn="ctr"/>
+            <a:endParaRPr lang="ko-US"/>
+          </a:p>
+        </p:txBody>
+      </p:sp>
+      <p:sp>
+        <p:nvSpPr>
+          <p:cNvPr id="78" name="TextBox 77">
+            <a:extLst>
+              <a:ext uri="{FF2B5EF4-FFF2-40B4-BE49-F238E27FC236}">
+                <a16:creationId xmlns:a16="http://schemas.microsoft.com/office/drawing/2014/main" id="{1CBBCF9F-A1A5-B8E3-111B-6F31C28BAF64}"/>
+              </a:ext>
+            </a:extLst>
+          </p:cNvPr>
+          <p:cNvSpPr txBox="1"/>
+          <p:nvPr/>
+        </p:nvSpPr>
+        <p:spPr>
+          <a:xfrm>
+            <a:off x="63088" y="2850076"/>
+            <a:ext cx="2207449" cy="1754326"/>
+          </a:xfrm>
+          <a:prstGeom prst="rect">
+            <a:avLst/>
+          </a:prstGeom>
+          <a:noFill/>
+        </p:spPr>
+        <p:txBody>
+          <a:bodyPr wrap="square" rtlCol="0">
+            <a:spAutoFit/>
+          </a:bodyPr>
+          <a:lstStyle/>
+          <a:p>
+            <a:r>
+              <a:rPr lang="en-US" dirty="0"/>
+              <a:t>Strategy </a:t>
+            </a:r>
+            <a:r>
+              <a:rPr lang="ko-KR" altLang="en-US" dirty="0" err="1"/>
+              <a:t>에</a:t>
+            </a:r>
+            <a:r>
+              <a:rPr lang="ko-KR" altLang="en-US" dirty="0"/>
+              <a:t> 있는 </a:t>
+            </a:r>
+            <a:r>
+              <a:rPr lang="en-US" altLang="ko-KR" dirty="0" err="1"/>
+              <a:t>checkSymbolCompatibility</a:t>
+            </a:r>
+            <a:r>
+              <a:rPr lang="en-US" altLang="ko-KR" dirty="0"/>
+              <a:t>(String symbol) </a:t>
+            </a:r>
+            <a:r>
+              <a:rPr lang="ko-KR" altLang="en-US" dirty="0" err="1"/>
+              <a:t>를</a:t>
+            </a:r>
+            <a:r>
+              <a:rPr lang="ko-KR" altLang="en-US" dirty="0"/>
+              <a:t> 호출함</a:t>
+            </a:r>
+            <a:r>
+              <a:rPr lang="en-US" altLang="ko-KR" dirty="0"/>
+              <a:t>,</a:t>
+            </a:r>
+            <a:r>
+              <a:rPr lang="ko-KR" altLang="en-US" dirty="0"/>
+              <a:t> </a:t>
+            </a:r>
+            <a:r>
+              <a:rPr lang="en-US" altLang="ko-KR" dirty="0"/>
+              <a:t>Strategy </a:t>
+            </a:r>
+            <a:r>
+              <a:rPr lang="ko-KR" altLang="en-US" dirty="0"/>
+              <a:t>선택 전까지 비활성화</a:t>
+            </a:r>
+            <a:endParaRPr lang="en-US" altLang="ko-KR" dirty="0"/>
+          </a:p>
+        </p:txBody>
+      </p:sp>
+      <p:sp>
+        <p:nvSpPr>
+          <p:cNvPr id="79" name="왼쪽 화살표[L] 78">
+            <a:extLst>
+              <a:ext uri="{FF2B5EF4-FFF2-40B4-BE49-F238E27FC236}">
+                <a16:creationId xmlns:a16="http://schemas.microsoft.com/office/drawing/2014/main" id="{B64417E4-28D2-5647-8178-656CCD326B7B}"/>
+              </a:ext>
+            </a:extLst>
+          </p:cNvPr>
+          <p:cNvSpPr/>
+          <p:nvPr/>
+        </p:nvSpPr>
+        <p:spPr>
+          <a:xfrm rot="8488540">
+            <a:off x="2133376" y="5287993"/>
+            <a:ext cx="978408" cy="484632"/>
+          </a:xfrm>
+          <a:prstGeom prst="leftArrow">
+            <a:avLst/>
+          </a:prstGeom>
+          <a:solidFill>
+            <a:srgbClr val="92D050"/>
+          </a:solidFill>
+        </p:spPr>
+        <p:style>
+          <a:lnRef idx="2">
+            <a:schemeClr val="dk1"/>
+          </a:lnRef>
+          <a:fillRef idx="1">
+            <a:schemeClr val="lt1"/>
+          </a:fillRef>
+          <a:effectRef idx="0">
+            <a:schemeClr val="dk1"/>
+          </a:effectRef>
+          <a:fontRef idx="minor">
+            <a:schemeClr val="dk1"/>
+          </a:fontRef>
+        </p:style>
+        <p:txBody>
+          <a:bodyPr rtlCol="0" anchor="ctr"/>
+          <a:lstStyle/>
+          <a:p>
+            <a:pPr algn="ctr"/>
+            <a:endParaRPr lang="ko-US"/>
+          </a:p>
+        </p:txBody>
+      </p:sp>
+      <p:sp>
+        <p:nvSpPr>
+          <p:cNvPr id="80" name="TextBox 79">
+            <a:extLst>
+              <a:ext uri="{FF2B5EF4-FFF2-40B4-BE49-F238E27FC236}">
+                <a16:creationId xmlns:a16="http://schemas.microsoft.com/office/drawing/2014/main" id="{537E138C-7413-F924-01E5-BF373BE4266D}"/>
+              </a:ext>
+            </a:extLst>
+          </p:cNvPr>
+          <p:cNvSpPr txBox="1"/>
+          <p:nvPr/>
+        </p:nvSpPr>
+        <p:spPr>
+          <a:xfrm>
+            <a:off x="64349" y="5094320"/>
+            <a:ext cx="2207449" cy="1754326"/>
+          </a:xfrm>
+          <a:prstGeom prst="rect">
+            <a:avLst/>
+          </a:prstGeom>
+          <a:noFill/>
+        </p:spPr>
+        <p:txBody>
+          <a:bodyPr wrap="square" rtlCol="0">
+            <a:spAutoFit/>
+          </a:bodyPr>
+          <a:lstStyle/>
+          <a:p>
+            <a:r>
+              <a:rPr lang="en-US" dirty="0"/>
+              <a:t>Strategy </a:t>
+            </a:r>
+            <a:r>
+              <a:rPr lang="ko-KR" altLang="en-US" dirty="0" err="1"/>
+              <a:t>에</a:t>
+            </a:r>
+            <a:r>
+              <a:rPr lang="ko-KR" altLang="en-US" dirty="0"/>
+              <a:t> 있는 </a:t>
+            </a:r>
+            <a:r>
+              <a:rPr lang="en-US" altLang="ko-KR" dirty="0" err="1"/>
+              <a:t>checkCashRangeCompatibility</a:t>
+            </a:r>
+            <a:r>
+              <a:rPr lang="en-US" altLang="ko-KR" dirty="0"/>
+              <a:t>(String symbol) </a:t>
+            </a:r>
+            <a:r>
+              <a:rPr lang="ko-KR" altLang="en-US" dirty="0" err="1"/>
+              <a:t>를</a:t>
+            </a:r>
+            <a:r>
+              <a:rPr lang="ko-KR" altLang="en-US" dirty="0"/>
+              <a:t> 호출함</a:t>
+            </a:r>
+            <a:r>
+              <a:rPr lang="en-US" altLang="ko-KR" dirty="0"/>
+              <a:t>,</a:t>
+            </a:r>
+            <a:r>
+              <a:rPr lang="ko-KR" altLang="en-US" dirty="0"/>
+              <a:t> </a:t>
+            </a:r>
+            <a:r>
+              <a:rPr lang="en-US" altLang="ko-KR" dirty="0"/>
+              <a:t>Strategy </a:t>
+            </a:r>
+            <a:r>
+              <a:rPr lang="ko-KR" altLang="en-US" dirty="0"/>
+              <a:t>선택 전까지 비활성화</a:t>
+            </a:r>
+            <a:endParaRPr lang="ko-US" dirty="0"/>
+          </a:p>
+        </p:txBody>
+      </p:sp>
+      <p:sp>
+        <p:nvSpPr>
+          <p:cNvPr id="81" name="TextBox 80">
+            <a:extLst>
+              <a:ext uri="{FF2B5EF4-FFF2-40B4-BE49-F238E27FC236}">
+                <a16:creationId xmlns:a16="http://schemas.microsoft.com/office/drawing/2014/main" id="{250E21C2-A936-79FE-771B-1B523D43868E}"/>
+              </a:ext>
+            </a:extLst>
+          </p:cNvPr>
+          <p:cNvSpPr txBox="1"/>
+          <p:nvPr/>
+        </p:nvSpPr>
+        <p:spPr>
+          <a:xfrm>
+            <a:off x="10268303" y="1547697"/>
+            <a:ext cx="1997588" cy="923330"/>
+          </a:xfrm>
+          <a:prstGeom prst="rect">
+            <a:avLst/>
+          </a:prstGeom>
+          <a:noFill/>
+        </p:spPr>
+        <p:txBody>
+          <a:bodyPr wrap="square" rtlCol="0">
+            <a:spAutoFit/>
+          </a:bodyPr>
+          <a:lstStyle/>
+          <a:p>
+            <a:r>
+              <a:rPr lang="en-US" altLang="ko-KR" dirty="0"/>
+              <a:t>Driver</a:t>
+            </a:r>
+            <a:r>
+              <a:rPr lang="ko-KR" altLang="en-US" dirty="0"/>
+              <a:t> 가 선택되기 전까지 비활성화</a:t>
+            </a:r>
+            <a:endParaRPr lang="ko-US" dirty="0"/>
+          </a:p>
+        </p:txBody>
+      </p:sp>
+      <p:sp>
+        <p:nvSpPr>
+          <p:cNvPr id="82" name="왼쪽 화살표[L] 81">
+            <a:extLst>
+              <a:ext uri="{FF2B5EF4-FFF2-40B4-BE49-F238E27FC236}">
+                <a16:creationId xmlns:a16="http://schemas.microsoft.com/office/drawing/2014/main" id="{255796D8-2CB7-3813-C9C7-BCBC7F9F29D1}"/>
+              </a:ext>
+            </a:extLst>
+          </p:cNvPr>
+          <p:cNvSpPr/>
+          <p:nvPr/>
+        </p:nvSpPr>
+        <p:spPr>
+          <a:xfrm rot="18328365">
+            <a:off x="9531331" y="2394245"/>
+            <a:ext cx="978408" cy="484632"/>
+          </a:xfrm>
+          <a:prstGeom prst="leftArrow">
+            <a:avLst/>
+          </a:prstGeom>
+          <a:solidFill>
+            <a:srgbClr val="92D050"/>
+          </a:solidFill>
+        </p:spPr>
+        <p:style>
+          <a:lnRef idx="2">
+            <a:schemeClr val="dk1"/>
+          </a:lnRef>
+          <a:fillRef idx="1">
+            <a:schemeClr val="lt1"/>
+          </a:fillRef>
+          <a:effectRef idx="0">
+            <a:schemeClr val="dk1"/>
+          </a:effectRef>
+          <a:fontRef idx="minor">
+            <a:schemeClr val="dk1"/>
+          </a:fontRef>
+        </p:style>
+        <p:txBody>
+          <a:bodyPr rtlCol="0" anchor="ctr"/>
+          <a:lstStyle/>
+          <a:p>
+            <a:pPr algn="ctr"/>
+            <a:endParaRPr lang="ko-US"/>
+          </a:p>
+        </p:txBody>
+      </p:sp>
+      <p:grpSp>
+        <p:nvGrpSpPr>
+          <p:cNvPr id="83" name="그룹 82">
+            <a:extLst>
+              <a:ext uri="{FF2B5EF4-FFF2-40B4-BE49-F238E27FC236}">
+                <a16:creationId xmlns:a16="http://schemas.microsoft.com/office/drawing/2014/main" id="{B2B0E292-B205-6588-CABD-B2AA4F9237E4}"/>
+              </a:ext>
+            </a:extLst>
+          </p:cNvPr>
+          <p:cNvGrpSpPr/>
+          <p:nvPr/>
+        </p:nvGrpSpPr>
+        <p:grpSpPr>
+          <a:xfrm>
+            <a:off x="2564523" y="5381446"/>
+            <a:ext cx="7252137" cy="369332"/>
+            <a:chOff x="2564524" y="2039007"/>
+            <a:chExt cx="7252137" cy="369332"/>
+          </a:xfrm>
+        </p:grpSpPr>
+        <p:sp>
+          <p:nvSpPr>
+            <p:cNvPr id="84" name="TextBox 83">
+              <a:extLst>
+                <a:ext uri="{FF2B5EF4-FFF2-40B4-BE49-F238E27FC236}">
+                  <a16:creationId xmlns:a16="http://schemas.microsoft.com/office/drawing/2014/main" id="{9712C3C3-C0C8-3ECC-9990-BCB3EF32F372}"/>
+                </a:ext>
+              </a:extLst>
+            </p:cNvPr>
+            <p:cNvSpPr txBox="1"/>
+            <p:nvPr/>
+          </p:nvSpPr>
+          <p:spPr>
+            <a:xfrm>
+              <a:off x="2564524" y="2039007"/>
+              <a:ext cx="1955226" cy="369332"/>
+            </a:xfrm>
+            <a:prstGeom prst="rect">
+              <a:avLst/>
+            </a:prstGeom>
+            <a:noFill/>
+          </p:spPr>
+          <p:txBody>
+            <a:bodyPr wrap="square" rtlCol="0">
+              <a:spAutoFit/>
+            </a:bodyPr>
+            <a:lstStyle/>
+            <a:p>
+              <a:r>
+                <a:rPr lang="en-US" altLang="ko-KR" dirty="0"/>
+                <a:t>Order</a:t>
+              </a:r>
+              <a:r>
+                <a:rPr lang="ko-KR" altLang="en-US" dirty="0"/>
+                <a:t> </a:t>
+              </a:r>
+              <a:r>
+                <a:rPr lang="en-US" altLang="ko-KR" dirty="0"/>
+                <a:t>Mode</a:t>
+              </a:r>
+              <a:endParaRPr lang="ko-US" dirty="0"/>
+            </a:p>
+          </p:txBody>
+        </p:sp>
+        <p:sp>
+          <p:nvSpPr>
+            <p:cNvPr id="85" name="직사각형 84">
+              <a:extLst>
+                <a:ext uri="{FF2B5EF4-FFF2-40B4-BE49-F238E27FC236}">
+                  <a16:creationId xmlns:a16="http://schemas.microsoft.com/office/drawing/2014/main" id="{67F61422-42BB-D156-F21F-5CB05CFAF0B4}"/>
+                </a:ext>
+              </a:extLst>
+            </p:cNvPr>
+            <p:cNvSpPr/>
+            <p:nvPr/>
+          </p:nvSpPr>
+          <p:spPr>
+            <a:xfrm>
+              <a:off x="4813736" y="2059449"/>
+              <a:ext cx="5002925" cy="328448"/>
+            </a:xfrm>
+            <a:prstGeom prst="rect">
+              <a:avLst/>
+            </a:prstGeom>
+          </p:spPr>
+          <p:style>
+            <a:lnRef idx="2">
+              <a:schemeClr val="dk1"/>
+            </a:lnRef>
+            <a:fillRef idx="1">
+              <a:schemeClr val="lt1"/>
+            </a:fillRef>
+            <a:effectRef idx="0">
+              <a:schemeClr val="dk1"/>
+            </a:effectRef>
+            <a:fontRef idx="minor">
+              <a:schemeClr val="dk1"/>
+            </a:fontRef>
+          </p:style>
+          <p:txBody>
+            <a:bodyPr rtlCol="0" anchor="ctr"/>
+            <a:lstStyle/>
+            <a:p>
+              <a:endParaRPr lang="ko-US" dirty="0"/>
+            </a:p>
+          </p:txBody>
+        </p:sp>
+      </p:grpSp>
+      <p:sp>
+        <p:nvSpPr>
+          <p:cNvPr id="86" name="직사각형 85">
+            <a:extLst>
+              <a:ext uri="{FF2B5EF4-FFF2-40B4-BE49-F238E27FC236}">
+                <a16:creationId xmlns:a16="http://schemas.microsoft.com/office/drawing/2014/main" id="{11619D80-B987-F5D4-E4EF-3D80EC0FFED3}"/>
+              </a:ext>
+            </a:extLst>
+          </p:cNvPr>
+          <p:cNvSpPr/>
+          <p:nvPr/>
+        </p:nvSpPr>
+        <p:spPr>
+          <a:xfrm>
+            <a:off x="4813736" y="5396188"/>
+            <a:ext cx="2501462" cy="328448"/>
+          </a:xfrm>
+          <a:prstGeom prst="rect">
+            <a:avLst/>
+          </a:prstGeom>
+          <a:solidFill>
+            <a:srgbClr val="0070C0"/>
+          </a:solidFill>
+        </p:spPr>
+        <p:style>
+          <a:lnRef idx="2">
+            <a:schemeClr val="accent3">
+              <a:shade val="15000"/>
+            </a:schemeClr>
+          </a:lnRef>
+          <a:fillRef idx="1">
+            <a:schemeClr val="accent3"/>
+          </a:fillRef>
+          <a:effectRef idx="0">
+            <a:schemeClr val="accent3"/>
+          </a:effectRef>
+          <a:fontRef idx="minor">
+            <a:schemeClr val="lt1"/>
+          </a:fontRef>
+        </p:style>
+        <p:txBody>
+          <a:bodyPr rtlCol="0" anchor="ctr"/>
+          <a:lstStyle/>
+          <a:p>
+            <a:pPr algn="ctr"/>
+            <a:r>
+              <a:rPr lang="en-US" dirty="0"/>
+              <a:t>Market</a:t>
+            </a:r>
+            <a:endParaRPr lang="ko-US" dirty="0"/>
+          </a:p>
+        </p:txBody>
+      </p:sp>
+      <p:sp>
+        <p:nvSpPr>
+          <p:cNvPr id="87" name="직사각형 86">
+            <a:extLst>
+              <a:ext uri="{FF2B5EF4-FFF2-40B4-BE49-F238E27FC236}">
+                <a16:creationId xmlns:a16="http://schemas.microsoft.com/office/drawing/2014/main" id="{12155EA8-44FB-F7F6-EEF8-01BF51B4C307}"/>
+              </a:ext>
+            </a:extLst>
+          </p:cNvPr>
+          <p:cNvSpPr/>
+          <p:nvPr/>
+        </p:nvSpPr>
+        <p:spPr>
+          <a:xfrm>
+            <a:off x="7315198" y="5397280"/>
+            <a:ext cx="2501462" cy="328448"/>
+          </a:xfrm>
+          <a:prstGeom prst="rect">
+            <a:avLst/>
+          </a:prstGeom>
+          <a:solidFill>
+            <a:schemeClr val="bg1"/>
+          </a:solidFill>
+        </p:spPr>
+        <p:style>
+          <a:lnRef idx="2">
+            <a:schemeClr val="accent3">
+              <a:shade val="15000"/>
+            </a:schemeClr>
+          </a:lnRef>
+          <a:fillRef idx="1">
+            <a:schemeClr val="accent3"/>
+          </a:fillRef>
+          <a:effectRef idx="0">
+            <a:schemeClr val="accent3"/>
+          </a:effectRef>
+          <a:fontRef idx="minor">
+            <a:schemeClr val="lt1"/>
+          </a:fontRef>
+        </p:style>
+        <p:txBody>
+          <a:bodyPr rtlCol="0" anchor="ctr"/>
+          <a:lstStyle/>
+          <a:p>
+            <a:pPr algn="ctr"/>
+            <a:r>
+              <a:rPr lang="en-US" dirty="0">
+                <a:solidFill>
+                  <a:schemeClr val="tx1"/>
+                </a:solidFill>
+              </a:rPr>
+              <a:t>Limit</a:t>
+            </a:r>
+            <a:endParaRPr lang="ko-US" dirty="0">
+              <a:solidFill>
+                <a:schemeClr val="tx1"/>
+              </a:solidFill>
+            </a:endParaRPr>
+          </a:p>
+        </p:txBody>
+      </p:sp>
+      <p:sp>
+        <p:nvSpPr>
+          <p:cNvPr id="88" name="TextBox 87">
+            <a:extLst>
+              <a:ext uri="{FF2B5EF4-FFF2-40B4-BE49-F238E27FC236}">
+                <a16:creationId xmlns:a16="http://schemas.microsoft.com/office/drawing/2014/main" id="{A6F9DFE1-D82A-E390-B0C4-531CD14D6BB4}"/>
+              </a:ext>
+            </a:extLst>
+          </p:cNvPr>
+          <p:cNvSpPr txBox="1"/>
+          <p:nvPr/>
+        </p:nvSpPr>
+        <p:spPr>
+          <a:xfrm>
+            <a:off x="10421681" y="5529694"/>
+            <a:ext cx="1739900" cy="923330"/>
+          </a:xfrm>
+          <a:prstGeom prst="rect">
+            <a:avLst/>
+          </a:prstGeom>
+          <a:noFill/>
+        </p:spPr>
+        <p:txBody>
+          <a:bodyPr wrap="square" rtlCol="0">
+            <a:spAutoFit/>
+          </a:bodyPr>
+          <a:lstStyle/>
+          <a:p>
+            <a:r>
+              <a:rPr lang="en-US" altLang="ko-KR" dirty="0"/>
+              <a:t>Limit </a:t>
+            </a:r>
+            <a:r>
+              <a:rPr lang="ko-KR" altLang="en-US" dirty="0" err="1"/>
+              <a:t>선택시</a:t>
+            </a:r>
+            <a:r>
+              <a:rPr lang="ko-KR" altLang="en-US" dirty="0"/>
+              <a:t> 거래 실패 경고 보여줌</a:t>
+            </a:r>
+            <a:endParaRPr lang="ko-US" dirty="0"/>
+          </a:p>
+        </p:txBody>
+      </p:sp>
+      <p:sp>
+        <p:nvSpPr>
+          <p:cNvPr id="89" name="왼쪽 화살표[L] 88">
+            <a:extLst>
+              <a:ext uri="{FF2B5EF4-FFF2-40B4-BE49-F238E27FC236}">
+                <a16:creationId xmlns:a16="http://schemas.microsoft.com/office/drawing/2014/main" id="{EDFA4DDA-B98E-1523-269C-427309601F05}"/>
+              </a:ext>
+            </a:extLst>
+          </p:cNvPr>
+          <p:cNvSpPr/>
+          <p:nvPr/>
+        </p:nvSpPr>
+        <p:spPr>
+          <a:xfrm rot="783537">
+            <a:off x="9380167" y="5454671"/>
             <a:ext cx="978408" cy="484632"/>
           </a:xfrm>
           <a:prstGeom prst="leftArrow">

--- a/uidesign.pptx
+++ b/uidesign.pptx
@@ -278,7 +278,7 @@
           <a:p>
             <a:fld id="{C215B344-0433-FF4F-B973-CB82BEC5B924}" type="datetimeFigureOut">
               <a:rPr lang="ko-US" smtClean="0"/>
-              <a:t>5/8/25</a:t>
+              <a:t>05/21/2025</a:t>
             </a:fld>
             <a:endParaRPr lang="ko-US"/>
           </a:p>
@@ -478,7 +478,7 @@
           <a:p>
             <a:fld id="{C215B344-0433-FF4F-B973-CB82BEC5B924}" type="datetimeFigureOut">
               <a:rPr lang="ko-US" smtClean="0"/>
-              <a:t>5/8/25</a:t>
+              <a:t>05/21/2025</a:t>
             </a:fld>
             <a:endParaRPr lang="ko-US"/>
           </a:p>
@@ -688,7 +688,7 @@
           <a:p>
             <a:fld id="{C215B344-0433-FF4F-B973-CB82BEC5B924}" type="datetimeFigureOut">
               <a:rPr lang="ko-US" smtClean="0"/>
-              <a:t>5/8/25</a:t>
+              <a:t>05/21/2025</a:t>
             </a:fld>
             <a:endParaRPr lang="ko-US"/>
           </a:p>
@@ -888,7 +888,7 @@
           <a:p>
             <a:fld id="{C215B344-0433-FF4F-B973-CB82BEC5B924}" type="datetimeFigureOut">
               <a:rPr lang="ko-US" smtClean="0"/>
-              <a:t>5/8/25</a:t>
+              <a:t>05/21/2025</a:t>
             </a:fld>
             <a:endParaRPr lang="ko-US"/>
           </a:p>
@@ -1164,7 +1164,7 @@
           <a:p>
             <a:fld id="{C215B344-0433-FF4F-B973-CB82BEC5B924}" type="datetimeFigureOut">
               <a:rPr lang="ko-US" smtClean="0"/>
-              <a:t>5/8/25</a:t>
+              <a:t>05/21/2025</a:t>
             </a:fld>
             <a:endParaRPr lang="ko-US"/>
           </a:p>
@@ -1432,7 +1432,7 @@
           <a:p>
             <a:fld id="{C215B344-0433-FF4F-B973-CB82BEC5B924}" type="datetimeFigureOut">
               <a:rPr lang="ko-US" smtClean="0"/>
-              <a:t>5/8/25</a:t>
+              <a:t>05/21/2025</a:t>
             </a:fld>
             <a:endParaRPr lang="ko-US"/>
           </a:p>
@@ -1847,7 +1847,7 @@
           <a:p>
             <a:fld id="{C215B344-0433-FF4F-B973-CB82BEC5B924}" type="datetimeFigureOut">
               <a:rPr lang="ko-US" smtClean="0"/>
-              <a:t>5/8/25</a:t>
+              <a:t>05/21/2025</a:t>
             </a:fld>
             <a:endParaRPr lang="ko-US"/>
           </a:p>
@@ -1989,7 +1989,7 @@
           <a:p>
             <a:fld id="{C215B344-0433-FF4F-B973-CB82BEC5B924}" type="datetimeFigureOut">
               <a:rPr lang="ko-US" smtClean="0"/>
-              <a:t>5/8/25</a:t>
+              <a:t>05/21/2025</a:t>
             </a:fld>
             <a:endParaRPr lang="ko-US"/>
           </a:p>
@@ -2102,7 +2102,7 @@
           <a:p>
             <a:fld id="{C215B344-0433-FF4F-B973-CB82BEC5B924}" type="datetimeFigureOut">
               <a:rPr lang="ko-US" smtClean="0"/>
-              <a:t>5/8/25</a:t>
+              <a:t>05/21/2025</a:t>
             </a:fld>
             <a:endParaRPr lang="ko-US"/>
           </a:p>
@@ -2415,7 +2415,7 @@
           <a:p>
             <a:fld id="{C215B344-0433-FF4F-B973-CB82BEC5B924}" type="datetimeFigureOut">
               <a:rPr lang="ko-US" smtClean="0"/>
-              <a:t>5/8/25</a:t>
+              <a:t>05/21/2025</a:t>
             </a:fld>
             <a:endParaRPr lang="ko-US"/>
           </a:p>
@@ -2704,7 +2704,7 @@
           <a:p>
             <a:fld id="{C215B344-0433-FF4F-B973-CB82BEC5B924}" type="datetimeFigureOut">
               <a:rPr lang="ko-US" smtClean="0"/>
-              <a:t>5/8/25</a:t>
+              <a:t>05/21/2025</a:t>
             </a:fld>
             <a:endParaRPr lang="ko-US"/>
           </a:p>
@@ -2947,7 +2947,7 @@
           <a:p>
             <a:fld id="{C215B344-0433-FF4F-B973-CB82BEC5B924}" type="datetimeFigureOut">
               <a:rPr lang="ko-US" smtClean="0"/>
-              <a:t>5/8/25</a:t>
+              <a:t>05/21/2025</a:t>
             </a:fld>
             <a:endParaRPr lang="ko-US"/>
           </a:p>
@@ -3471,7 +3471,7 @@
         <p:spPr>
           <a:xfrm>
             <a:off x="6642541" y="2007475"/>
-            <a:ext cx="3184632" cy="3308132"/>
+            <a:ext cx="3184632" cy="2793125"/>
           </a:xfrm>
           <a:prstGeom prst="rect">
             <a:avLst/>
@@ -3517,8 +3517,8 @@
         </p:nvSpPr>
         <p:spPr>
           <a:xfrm>
-            <a:off x="2564524" y="4981903"/>
-            <a:ext cx="1881352" cy="333704"/>
+            <a:off x="2564523" y="4981903"/>
+            <a:ext cx="3724323" cy="333704"/>
           </a:xfrm>
           <a:prstGeom prst="rect">
             <a:avLst/>
@@ -3565,8 +3565,8 @@
         </p:nvSpPr>
         <p:spPr>
           <a:xfrm>
-            <a:off x="4603532" y="4981903"/>
-            <a:ext cx="1881352" cy="333704"/>
+            <a:off x="6435994" y="4981903"/>
+            <a:ext cx="3391176" cy="333704"/>
           </a:xfrm>
           <a:prstGeom prst="rect">
             <a:avLst/>
@@ -4171,7 +4171,7 @@
         <p:spPr>
           <a:xfrm>
             <a:off x="52552" y="2182560"/>
-            <a:ext cx="2207172" cy="3139321"/>
+            <a:ext cx="2207172" cy="3970318"/>
           </a:xfrm>
           <a:prstGeom prst="rect">
             <a:avLst/>
@@ -4231,13 +4231,40 @@
           <a:p>
             <a:r>
               <a:rPr lang="en-US" dirty="0"/>
-              <a:t>Gray Blue box:</a:t>
+              <a:t>Static</a:t>
+            </a:r>
+            <a:r>
+              <a:rPr lang="ko-KR" altLang="en-US" dirty="0"/>
+              <a:t> </a:t>
+            </a:r>
+            <a:r>
+              <a:rPr lang="en-US" altLang="ko-KR" dirty="0"/>
+              <a:t>Gray</a:t>
+            </a:r>
+            <a:r>
+              <a:rPr lang="en-US" dirty="0"/>
+              <a:t> box:</a:t>
             </a:r>
           </a:p>
           <a:p>
             <a:r>
               <a:rPr lang="en-US" dirty="0"/>
               <a:t>Not running</a:t>
+            </a:r>
+          </a:p>
+          <a:p>
+            <a:endParaRPr lang="en-US" dirty="0"/>
+          </a:p>
+          <a:p>
+            <a:r>
+              <a:rPr lang="en-US" dirty="0"/>
+              <a:t>Flashing Blue Box:</a:t>
+            </a:r>
+          </a:p>
+          <a:p>
+            <a:r>
+              <a:rPr lang="en-US" dirty="0"/>
+              <a:t>Waiting</a:t>
             </a:r>
           </a:p>
         </p:txBody>
@@ -14066,7 +14093,7 @@
         <p:spPr>
           <a:xfrm>
             <a:off x="2522483" y="1513490"/>
-            <a:ext cx="2196662" cy="399393"/>
+            <a:ext cx="1843987" cy="399393"/>
           </a:xfrm>
           <a:prstGeom prst="rect">
             <a:avLst/>
@@ -14113,8 +14140,56 @@
         </p:nvSpPr>
         <p:spPr>
           <a:xfrm>
-            <a:off x="5092263" y="1513490"/>
-            <a:ext cx="2196662" cy="399393"/>
+            <a:off x="4482085" y="1513489"/>
+            <a:ext cx="1578961" cy="399393"/>
+          </a:xfrm>
+          <a:prstGeom prst="rect">
+            <a:avLst/>
+          </a:prstGeom>
+        </p:spPr>
+        <p:style>
+          <a:lnRef idx="2">
+            <a:schemeClr val="dk1"/>
+          </a:lnRef>
+          <a:fillRef idx="1">
+            <a:schemeClr val="lt1"/>
+          </a:fillRef>
+          <a:effectRef idx="0">
+            <a:schemeClr val="dk1"/>
+          </a:effectRef>
+          <a:fontRef idx="minor">
+            <a:schemeClr val="dk1"/>
+          </a:fontRef>
+        </p:style>
+        <p:txBody>
+          <a:bodyPr rtlCol="0" anchor="ctr"/>
+          <a:lstStyle/>
+          <a:p>
+            <a:pPr algn="ctr"/>
+            <a:r>
+              <a:rPr lang="en-US" dirty="0"/>
+              <a:t>Info</a:t>
+            </a:r>
+            <a:endParaRPr lang="ko-US" dirty="0"/>
+          </a:p>
+        </p:txBody>
+      </p:sp>
+      <p:sp>
+        <p:nvSpPr>
+          <p:cNvPr id="4" name="직사각형 3">
+            <a:extLst>
+              <a:ext uri="{FF2B5EF4-FFF2-40B4-BE49-F238E27FC236}">
+                <a16:creationId xmlns:a16="http://schemas.microsoft.com/office/drawing/2014/main" id="{09801A11-63A2-99E2-730B-2761AC2B593E}"/>
+              </a:ext>
+            </a:extLst>
+          </p:cNvPr>
+          <p:cNvSpPr/>
+          <p:nvPr/>
+        </p:nvSpPr>
+        <p:spPr>
+          <a:xfrm>
+            <a:off x="8183460" y="1513490"/>
+            <a:ext cx="1675245" cy="399393"/>
           </a:xfrm>
           <a:prstGeom prst="rect">
             <a:avLst/>
@@ -14149,54 +14224,6 @@
       </p:sp>
       <p:sp>
         <p:nvSpPr>
-          <p:cNvPr id="4" name="직사각형 3">
-            <a:extLst>
-              <a:ext uri="{FF2B5EF4-FFF2-40B4-BE49-F238E27FC236}">
-                <a16:creationId xmlns:a16="http://schemas.microsoft.com/office/drawing/2014/main" id="{09801A11-63A2-99E2-730B-2761AC2B593E}"/>
-              </a:ext>
-            </a:extLst>
-          </p:cNvPr>
-          <p:cNvSpPr/>
-          <p:nvPr/>
-        </p:nvSpPr>
-        <p:spPr>
-          <a:xfrm>
-            <a:off x="7662044" y="1513490"/>
-            <a:ext cx="2196662" cy="399393"/>
-          </a:xfrm>
-          <a:prstGeom prst="rect">
-            <a:avLst/>
-          </a:prstGeom>
-        </p:spPr>
-        <p:style>
-          <a:lnRef idx="2">
-            <a:schemeClr val="dk1"/>
-          </a:lnRef>
-          <a:fillRef idx="1">
-            <a:schemeClr val="lt1"/>
-          </a:fillRef>
-          <a:effectRef idx="0">
-            <a:schemeClr val="dk1"/>
-          </a:effectRef>
-          <a:fontRef idx="minor">
-            <a:schemeClr val="dk1"/>
-          </a:fontRef>
-        </p:style>
-        <p:txBody>
-          <a:bodyPr rtlCol="0" anchor="ctr"/>
-          <a:lstStyle/>
-          <a:p>
-            <a:pPr algn="ctr"/>
-            <a:r>
-              <a:rPr lang="en-US" dirty="0"/>
-              <a:t>Warning</a:t>
-            </a:r>
-            <a:endParaRPr lang="ko-US" dirty="0"/>
-          </a:p>
-        </p:txBody>
-      </p:sp>
-      <p:sp>
-        <p:nvSpPr>
           <p:cNvPr id="5" name="직사각형 4">
             <a:extLst>
               <a:ext uri="{FF2B5EF4-FFF2-40B4-BE49-F238E27FC236}">
@@ -14286,6 +14313,54 @@
             <a:r>
               <a:rPr lang="en-US" dirty="0"/>
               <a:t>Make a dump file</a:t>
+            </a:r>
+            <a:endParaRPr lang="ko-US" dirty="0"/>
+          </a:p>
+        </p:txBody>
+      </p:sp>
+      <p:sp>
+        <p:nvSpPr>
+          <p:cNvPr id="8" name="직사각형 7">
+            <a:extLst>
+              <a:ext uri="{FF2B5EF4-FFF2-40B4-BE49-F238E27FC236}">
+                <a16:creationId xmlns:a16="http://schemas.microsoft.com/office/drawing/2014/main" id="{60F1B34A-CB52-E5C9-F260-CFBF840224CC}"/>
+              </a:ext>
+            </a:extLst>
+          </p:cNvPr>
+          <p:cNvSpPr/>
+          <p:nvPr/>
+        </p:nvSpPr>
+        <p:spPr>
+          <a:xfrm>
+            <a:off x="6284630" y="1513489"/>
+            <a:ext cx="1675245" cy="399393"/>
+          </a:xfrm>
+          <a:prstGeom prst="rect">
+            <a:avLst/>
+          </a:prstGeom>
+        </p:spPr>
+        <p:style>
+          <a:lnRef idx="2">
+            <a:schemeClr val="dk1"/>
+          </a:lnRef>
+          <a:fillRef idx="1">
+            <a:schemeClr val="lt1"/>
+          </a:fillRef>
+          <a:effectRef idx="0">
+            <a:schemeClr val="dk1"/>
+          </a:effectRef>
+          <a:fontRef idx="minor">
+            <a:schemeClr val="dk1"/>
+          </a:fontRef>
+        </p:style>
+        <p:txBody>
+          <a:bodyPr rtlCol="0" anchor="ctr"/>
+          <a:lstStyle/>
+          <a:p>
+            <a:pPr algn="ctr"/>
+            <a:r>
+              <a:rPr lang="en-US"/>
+              <a:t>Warning</a:t>
             </a:r>
             <a:endParaRPr lang="ko-US" dirty="0"/>
           </a:p>

--- a/uidesign.pptx
+++ b/uidesign.pptx
@@ -14623,10 +14623,10 @@
           <a:p>
             <a:pPr algn="ctr"/>
             <a:r>
-              <a:rPr lang="en-US" dirty="0"/>
+              <a:rPr lang="en-US" b="1" dirty="0"/>
               <a:t>Time</a:t>
             </a:r>
-            <a:endParaRPr lang="ko-US" dirty="0"/>
+            <a:endParaRPr lang="ko-US" b="1" dirty="0"/>
           </a:p>
         </p:txBody>
       </p:sp>
@@ -14671,10 +14671,10 @@
           <a:p>
             <a:pPr algn="ctr"/>
             <a:r>
-              <a:rPr lang="en-US" dirty="0"/>
+              <a:rPr lang="en-US" b="1" dirty="0"/>
               <a:t>Stock ID</a:t>
             </a:r>
-            <a:endParaRPr lang="ko-US" dirty="0"/>
+            <a:endParaRPr lang="ko-US" b="1" dirty="0"/>
           </a:p>
         </p:txBody>
       </p:sp>
@@ -14719,10 +14719,10 @@
           <a:p>
             <a:pPr algn="ctr"/>
             <a:r>
-              <a:rPr lang="en-US" dirty="0"/>
+              <a:rPr lang="en-US" b="1" dirty="0"/>
               <a:t>Exchange</a:t>
             </a:r>
-            <a:endParaRPr lang="ko-US" dirty="0"/>
+            <a:endParaRPr lang="ko-US" b="1" dirty="0"/>
           </a:p>
         </p:txBody>
       </p:sp>
@@ -14767,10 +14767,10 @@
           <a:p>
             <a:pPr algn="ctr"/>
             <a:r>
-              <a:rPr lang="en-US" dirty="0"/>
+              <a:rPr lang="en-US" b="1" dirty="0"/>
               <a:t>Amount</a:t>
             </a:r>
-            <a:endParaRPr lang="ko-US" dirty="0"/>
+            <a:endParaRPr lang="ko-US" b="1" dirty="0"/>
           </a:p>
         </p:txBody>
       </p:sp>
@@ -14815,10 +14815,10 @@
           <a:p>
             <a:pPr algn="ctr"/>
             <a:r>
-              <a:rPr lang="en-US" dirty="0"/>
+              <a:rPr lang="en-US" b="1" dirty="0"/>
               <a:t>Profits</a:t>
             </a:r>
-            <a:endParaRPr lang="ko-US" dirty="0"/>
+            <a:endParaRPr lang="ko-US" b="1" dirty="0"/>
           </a:p>
         </p:txBody>
       </p:sp>

--- a/uidesign.pptx
+++ b/uidesign.pptx
@@ -278,7 +278,7 @@
           <a:p>
             <a:fld id="{C215B344-0433-FF4F-B973-CB82BEC5B924}" type="datetimeFigureOut">
               <a:rPr lang="ko-US" smtClean="0"/>
-              <a:t>05/21/2025</a:t>
+              <a:t>5/22/25</a:t>
             </a:fld>
             <a:endParaRPr lang="ko-US"/>
           </a:p>
@@ -478,7 +478,7 @@
           <a:p>
             <a:fld id="{C215B344-0433-FF4F-B973-CB82BEC5B924}" type="datetimeFigureOut">
               <a:rPr lang="ko-US" smtClean="0"/>
-              <a:t>05/21/2025</a:t>
+              <a:t>5/22/25</a:t>
             </a:fld>
             <a:endParaRPr lang="ko-US"/>
           </a:p>
@@ -688,7 +688,7 @@
           <a:p>
             <a:fld id="{C215B344-0433-FF4F-B973-CB82BEC5B924}" type="datetimeFigureOut">
               <a:rPr lang="ko-US" smtClean="0"/>
-              <a:t>05/21/2025</a:t>
+              <a:t>5/22/25</a:t>
             </a:fld>
             <a:endParaRPr lang="ko-US"/>
           </a:p>
@@ -888,7 +888,7 @@
           <a:p>
             <a:fld id="{C215B344-0433-FF4F-B973-CB82BEC5B924}" type="datetimeFigureOut">
               <a:rPr lang="ko-US" smtClean="0"/>
-              <a:t>05/21/2025</a:t>
+              <a:t>5/22/25</a:t>
             </a:fld>
             <a:endParaRPr lang="ko-US"/>
           </a:p>
@@ -1164,7 +1164,7 @@
           <a:p>
             <a:fld id="{C215B344-0433-FF4F-B973-CB82BEC5B924}" type="datetimeFigureOut">
               <a:rPr lang="ko-US" smtClean="0"/>
-              <a:t>05/21/2025</a:t>
+              <a:t>5/22/25</a:t>
             </a:fld>
             <a:endParaRPr lang="ko-US"/>
           </a:p>
@@ -1432,7 +1432,7 @@
           <a:p>
             <a:fld id="{C215B344-0433-FF4F-B973-CB82BEC5B924}" type="datetimeFigureOut">
               <a:rPr lang="ko-US" smtClean="0"/>
-              <a:t>05/21/2025</a:t>
+              <a:t>5/22/25</a:t>
             </a:fld>
             <a:endParaRPr lang="ko-US"/>
           </a:p>
@@ -1847,7 +1847,7 @@
           <a:p>
             <a:fld id="{C215B344-0433-FF4F-B973-CB82BEC5B924}" type="datetimeFigureOut">
               <a:rPr lang="ko-US" smtClean="0"/>
-              <a:t>05/21/2025</a:t>
+              <a:t>5/22/25</a:t>
             </a:fld>
             <a:endParaRPr lang="ko-US"/>
           </a:p>
@@ -1989,7 +1989,7 @@
           <a:p>
             <a:fld id="{C215B344-0433-FF4F-B973-CB82BEC5B924}" type="datetimeFigureOut">
               <a:rPr lang="ko-US" smtClean="0"/>
-              <a:t>05/21/2025</a:t>
+              <a:t>5/22/25</a:t>
             </a:fld>
             <a:endParaRPr lang="ko-US"/>
           </a:p>
@@ -2102,7 +2102,7 @@
           <a:p>
             <a:fld id="{C215B344-0433-FF4F-B973-CB82BEC5B924}" type="datetimeFigureOut">
               <a:rPr lang="ko-US" smtClean="0"/>
-              <a:t>05/21/2025</a:t>
+              <a:t>5/22/25</a:t>
             </a:fld>
             <a:endParaRPr lang="ko-US"/>
           </a:p>
@@ -2415,7 +2415,7 @@
           <a:p>
             <a:fld id="{C215B344-0433-FF4F-B973-CB82BEC5B924}" type="datetimeFigureOut">
               <a:rPr lang="ko-US" smtClean="0"/>
-              <a:t>05/21/2025</a:t>
+              <a:t>5/22/25</a:t>
             </a:fld>
             <a:endParaRPr lang="ko-US"/>
           </a:p>
@@ -2704,7 +2704,7 @@
           <a:p>
             <a:fld id="{C215B344-0433-FF4F-B973-CB82BEC5B924}" type="datetimeFigureOut">
               <a:rPr lang="ko-US" smtClean="0"/>
-              <a:t>05/21/2025</a:t>
+              <a:t>5/22/25</a:t>
             </a:fld>
             <a:endParaRPr lang="ko-US"/>
           </a:p>
@@ -2947,7 +2947,7 @@
           <a:p>
             <a:fld id="{C215B344-0433-FF4F-B973-CB82BEC5B924}" type="datetimeFigureOut">
               <a:rPr lang="ko-US" smtClean="0"/>
-              <a:t>05/21/2025</a:t>
+              <a:t>5/22/25</a:t>
             </a:fld>
             <a:endParaRPr lang="ko-US"/>
           </a:p>
@@ -3350,6 +3350,11 @@
 <file path=ppt/slides/slide1.xml><?xml version="1.0" encoding="utf-8"?>
 <p:sld xmlns:a="http://schemas.openxmlformats.org/drawingml/2006/main" xmlns:r="http://schemas.openxmlformats.org/officeDocument/2006/relationships" xmlns:p="http://schemas.openxmlformats.org/presentationml/2006/main">
   <p:cSld>
+    <p:bg>
+      <p:bgRef idx="1001">
+        <a:schemeClr val="bg1"/>
+      </p:bgRef>
+    </p:bg>
     <p:spTree>
       <p:nvGrpSpPr>
         <p:cNvPr id="1" name=""/>
@@ -4317,6 +4322,53 @@
           </a:p>
         </p:txBody>
       </p:sp>
+      <p:sp>
+        <p:nvSpPr>
+          <p:cNvPr id="2" name="곱하기 1">
+            <a:extLst>
+              <a:ext uri="{FF2B5EF4-FFF2-40B4-BE49-F238E27FC236}">
+                <a16:creationId xmlns:a16="http://schemas.microsoft.com/office/drawing/2014/main" id="{342053EB-6E80-32D4-1F0F-2B623D02BA2F}"/>
+              </a:ext>
+            </a:extLst>
+          </p:cNvPr>
+          <p:cNvSpPr/>
+          <p:nvPr/>
+        </p:nvSpPr>
+        <p:spPr>
+          <a:xfrm>
+            <a:off x="2490006" y="-14191"/>
+            <a:ext cx="7295126" cy="7295126"/>
+          </a:xfrm>
+          <a:prstGeom prst="mathMultiply">
+            <a:avLst/>
+          </a:prstGeom>
+          <a:solidFill>
+            <a:srgbClr val="FF0000"/>
+          </a:solidFill>
+        </p:spPr>
+        <p:style>
+          <a:lnRef idx="2">
+            <a:schemeClr val="dk1"/>
+          </a:lnRef>
+          <a:fillRef idx="1">
+            <a:schemeClr val="lt1"/>
+          </a:fillRef>
+          <a:effectRef idx="0">
+            <a:schemeClr val="dk1"/>
+          </a:effectRef>
+          <a:fontRef idx="minor">
+            <a:schemeClr val="dk1"/>
+          </a:fontRef>
+        </p:style>
+        <p:txBody>
+          <a:bodyPr rtlCol="0" anchor="ctr"/>
+          <a:lstStyle/>
+          <a:p>
+            <a:pPr algn="ctr"/>
+            <a:endParaRPr lang="ko-US"/>
+          </a:p>
+        </p:txBody>
+      </p:sp>
     </p:spTree>
     <p:extLst>
       <p:ext uri="{BB962C8B-B14F-4D97-AF65-F5344CB8AC3E}">
@@ -4325,7 +4377,7 @@
     </p:extLst>
   </p:cSld>
   <p:clrMapOvr>
-    <a:masterClrMapping/>
+    <a:overrideClrMapping bg1="lt1" tx1="dk1" bg2="lt2" tx2="dk2" accent1="accent1" accent2="accent2" accent3="accent3" accent4="accent4" accent5="accent5" accent6="accent6" hlink="hlink" folHlink="folHlink"/>
   </p:clrMapOvr>
 </p:sld>
 </file>
@@ -4459,8 +4511,8 @@
         </p:nvSpPr>
         <p:spPr>
           <a:xfrm>
-            <a:off x="6642541" y="1439241"/>
-            <a:ext cx="3184632" cy="4874071"/>
+            <a:off x="6642541" y="1439242"/>
+            <a:ext cx="3184632" cy="4434090"/>
           </a:xfrm>
           <a:prstGeom prst="rect">
             <a:avLst/>
@@ -4507,7 +4559,7 @@
         <p:spPr>
           <a:xfrm>
             <a:off x="2564524" y="5979608"/>
-            <a:ext cx="1881352" cy="333704"/>
+            <a:ext cx="3531476" cy="333704"/>
           </a:xfrm>
           <a:prstGeom prst="rect">
             <a:avLst/>
@@ -4554,8 +4606,8 @@
         </p:nvSpPr>
         <p:spPr>
           <a:xfrm>
-            <a:off x="4603532" y="5979608"/>
-            <a:ext cx="1881352" cy="333704"/>
+            <a:off x="6320148" y="5979608"/>
+            <a:ext cx="3531476" cy="333704"/>
           </a:xfrm>
           <a:prstGeom prst="rect">
             <a:avLst/>
@@ -5815,6 +5867,369 @@
           </a:p>
         </p:txBody>
       </p:sp>
+      <p:grpSp>
+        <p:nvGrpSpPr>
+          <p:cNvPr id="2" name="그룹 1">
+            <a:extLst>
+              <a:ext uri="{FF2B5EF4-FFF2-40B4-BE49-F238E27FC236}">
+                <a16:creationId xmlns:a16="http://schemas.microsoft.com/office/drawing/2014/main" id="{77680083-BD4E-0F8E-EA60-EA53E6738424}"/>
+              </a:ext>
+            </a:extLst>
+          </p:cNvPr>
+          <p:cNvGrpSpPr/>
+          <p:nvPr/>
+        </p:nvGrpSpPr>
+        <p:grpSpPr>
+          <a:xfrm rot="18882072">
+            <a:off x="2773628" y="865905"/>
+            <a:ext cx="418070" cy="293146"/>
+            <a:chOff x="2651760" y="1847088"/>
+            <a:chExt cx="2692908" cy="1888236"/>
+          </a:xfrm>
+        </p:grpSpPr>
+        <p:sp>
+          <p:nvSpPr>
+            <p:cNvPr id="3" name="직사각형 2">
+              <a:extLst>
+                <a:ext uri="{FF2B5EF4-FFF2-40B4-BE49-F238E27FC236}">
+                  <a16:creationId xmlns:a16="http://schemas.microsoft.com/office/drawing/2014/main" id="{CDF96EDF-F50B-033F-264B-6B1B0B69DCA5}"/>
+                </a:ext>
+              </a:extLst>
+            </p:cNvPr>
+            <p:cNvSpPr/>
+            <p:nvPr/>
+          </p:nvSpPr>
+          <p:spPr>
+            <a:xfrm>
+              <a:off x="2651760" y="1847088"/>
+              <a:ext cx="612648" cy="1316736"/>
+            </a:xfrm>
+            <a:prstGeom prst="rect">
+              <a:avLst/>
+            </a:prstGeom>
+            <a:solidFill>
+              <a:srgbClr val="00B050"/>
+            </a:solidFill>
+            <a:ln>
+              <a:noFill/>
+            </a:ln>
+          </p:spPr>
+          <p:style>
+            <a:lnRef idx="2">
+              <a:schemeClr val="dk1"/>
+            </a:lnRef>
+            <a:fillRef idx="1">
+              <a:schemeClr val="lt1"/>
+            </a:fillRef>
+            <a:effectRef idx="0">
+              <a:schemeClr val="dk1"/>
+            </a:effectRef>
+            <a:fontRef idx="minor">
+              <a:schemeClr val="dk1"/>
+            </a:fontRef>
+          </p:style>
+          <p:txBody>
+            <a:bodyPr rtlCol="0" anchor="ctr"/>
+            <a:lstStyle/>
+            <a:p>
+              <a:pPr algn="ctr"/>
+              <a:endParaRPr lang="ko-US"/>
+            </a:p>
+          </p:txBody>
+        </p:sp>
+        <p:sp>
+          <p:nvSpPr>
+            <p:cNvPr id="4" name="직사각형 3">
+              <a:extLst>
+                <a:ext uri="{FF2B5EF4-FFF2-40B4-BE49-F238E27FC236}">
+                  <a16:creationId xmlns:a16="http://schemas.microsoft.com/office/drawing/2014/main" id="{33D84636-32DF-9CAE-48F9-84AD5BDB63C9}"/>
+                </a:ext>
+              </a:extLst>
+            </p:cNvPr>
+            <p:cNvSpPr/>
+            <p:nvPr/>
+          </p:nvSpPr>
+          <p:spPr>
+            <a:xfrm rot="5400000">
+              <a:off x="3691890" y="2082546"/>
+              <a:ext cx="612648" cy="2692908"/>
+            </a:xfrm>
+            <a:prstGeom prst="rect">
+              <a:avLst/>
+            </a:prstGeom>
+            <a:solidFill>
+              <a:srgbClr val="00B050"/>
+            </a:solidFill>
+            <a:ln>
+              <a:noFill/>
+            </a:ln>
+          </p:spPr>
+          <p:style>
+            <a:lnRef idx="2">
+              <a:schemeClr val="dk1"/>
+            </a:lnRef>
+            <a:fillRef idx="1">
+              <a:schemeClr val="lt1"/>
+            </a:fillRef>
+            <a:effectRef idx="0">
+              <a:schemeClr val="dk1"/>
+            </a:effectRef>
+            <a:fontRef idx="minor">
+              <a:schemeClr val="dk1"/>
+            </a:fontRef>
+          </p:style>
+          <p:txBody>
+            <a:bodyPr rtlCol="0" anchor="ctr"/>
+            <a:lstStyle/>
+            <a:p>
+              <a:pPr algn="ctr"/>
+              <a:endParaRPr lang="ko-US"/>
+            </a:p>
+          </p:txBody>
+        </p:sp>
+      </p:grpSp>
+      <p:grpSp>
+        <p:nvGrpSpPr>
+          <p:cNvPr id="5" name="그룹 4">
+            <a:extLst>
+              <a:ext uri="{FF2B5EF4-FFF2-40B4-BE49-F238E27FC236}">
+                <a16:creationId xmlns:a16="http://schemas.microsoft.com/office/drawing/2014/main" id="{24BBC18F-2957-8BEB-CE3B-0D8BF1B9F9BE}"/>
+              </a:ext>
+            </a:extLst>
+          </p:cNvPr>
+          <p:cNvGrpSpPr/>
+          <p:nvPr/>
+        </p:nvGrpSpPr>
+        <p:grpSpPr>
+          <a:xfrm rot="18882072">
+            <a:off x="5859893" y="857131"/>
+            <a:ext cx="418070" cy="293146"/>
+            <a:chOff x="2651760" y="1847088"/>
+            <a:chExt cx="2692908" cy="1888236"/>
+          </a:xfrm>
+        </p:grpSpPr>
+        <p:sp>
+          <p:nvSpPr>
+            <p:cNvPr id="10" name="직사각형 9">
+              <a:extLst>
+                <a:ext uri="{FF2B5EF4-FFF2-40B4-BE49-F238E27FC236}">
+                  <a16:creationId xmlns:a16="http://schemas.microsoft.com/office/drawing/2014/main" id="{E340A905-7AF8-5DBE-0AAD-05EEDCA4B4AB}"/>
+                </a:ext>
+              </a:extLst>
+            </p:cNvPr>
+            <p:cNvSpPr/>
+            <p:nvPr/>
+          </p:nvSpPr>
+          <p:spPr>
+            <a:xfrm>
+              <a:off x="2651760" y="1847088"/>
+              <a:ext cx="612648" cy="1316736"/>
+            </a:xfrm>
+            <a:prstGeom prst="rect">
+              <a:avLst/>
+            </a:prstGeom>
+            <a:solidFill>
+              <a:srgbClr val="00B050"/>
+            </a:solidFill>
+            <a:ln>
+              <a:noFill/>
+            </a:ln>
+          </p:spPr>
+          <p:style>
+            <a:lnRef idx="2">
+              <a:schemeClr val="dk1"/>
+            </a:lnRef>
+            <a:fillRef idx="1">
+              <a:schemeClr val="lt1"/>
+            </a:fillRef>
+            <a:effectRef idx="0">
+              <a:schemeClr val="dk1"/>
+            </a:effectRef>
+            <a:fontRef idx="minor">
+              <a:schemeClr val="dk1"/>
+            </a:fontRef>
+          </p:style>
+          <p:txBody>
+            <a:bodyPr rtlCol="0" anchor="ctr"/>
+            <a:lstStyle/>
+            <a:p>
+              <a:pPr algn="ctr"/>
+              <a:endParaRPr lang="ko-US"/>
+            </a:p>
+          </p:txBody>
+        </p:sp>
+        <p:sp>
+          <p:nvSpPr>
+            <p:cNvPr id="13" name="직사각형 12">
+              <a:extLst>
+                <a:ext uri="{FF2B5EF4-FFF2-40B4-BE49-F238E27FC236}">
+                  <a16:creationId xmlns:a16="http://schemas.microsoft.com/office/drawing/2014/main" id="{2B9684EB-A8D6-9A50-FFC1-7CE420B91700}"/>
+                </a:ext>
+              </a:extLst>
+            </p:cNvPr>
+            <p:cNvSpPr/>
+            <p:nvPr/>
+          </p:nvSpPr>
+          <p:spPr>
+            <a:xfrm rot="5400000">
+              <a:off x="3691890" y="2082546"/>
+              <a:ext cx="612648" cy="2692908"/>
+            </a:xfrm>
+            <a:prstGeom prst="rect">
+              <a:avLst/>
+            </a:prstGeom>
+            <a:solidFill>
+              <a:srgbClr val="00B050"/>
+            </a:solidFill>
+            <a:ln>
+              <a:noFill/>
+            </a:ln>
+          </p:spPr>
+          <p:style>
+            <a:lnRef idx="2">
+              <a:schemeClr val="dk1"/>
+            </a:lnRef>
+            <a:fillRef idx="1">
+              <a:schemeClr val="lt1"/>
+            </a:fillRef>
+            <a:effectRef idx="0">
+              <a:schemeClr val="dk1"/>
+            </a:effectRef>
+            <a:fontRef idx="minor">
+              <a:schemeClr val="dk1"/>
+            </a:fontRef>
+          </p:style>
+          <p:txBody>
+            <a:bodyPr rtlCol="0" anchor="ctr"/>
+            <a:lstStyle/>
+            <a:p>
+              <a:pPr algn="ctr"/>
+              <a:endParaRPr lang="ko-US"/>
+            </a:p>
+          </p:txBody>
+        </p:sp>
+      </p:grpSp>
+      <p:grpSp>
+        <p:nvGrpSpPr>
+          <p:cNvPr id="14" name="그룹 13">
+            <a:extLst>
+              <a:ext uri="{FF2B5EF4-FFF2-40B4-BE49-F238E27FC236}">
+                <a16:creationId xmlns:a16="http://schemas.microsoft.com/office/drawing/2014/main" id="{CFA740F9-E041-9260-5245-692EAE3C1E50}"/>
+              </a:ext>
+            </a:extLst>
+          </p:cNvPr>
+          <p:cNvGrpSpPr/>
+          <p:nvPr/>
+        </p:nvGrpSpPr>
+        <p:grpSpPr>
+          <a:xfrm rot="18882072">
+            <a:off x="7935450" y="888835"/>
+            <a:ext cx="418070" cy="293146"/>
+            <a:chOff x="2651760" y="1847088"/>
+            <a:chExt cx="2692908" cy="1888236"/>
+          </a:xfrm>
+        </p:grpSpPr>
+        <p:sp>
+          <p:nvSpPr>
+            <p:cNvPr id="16" name="직사각형 15">
+              <a:extLst>
+                <a:ext uri="{FF2B5EF4-FFF2-40B4-BE49-F238E27FC236}">
+                  <a16:creationId xmlns:a16="http://schemas.microsoft.com/office/drawing/2014/main" id="{CABBA08B-30F9-5D86-06DF-E86A27AA429B}"/>
+                </a:ext>
+              </a:extLst>
+            </p:cNvPr>
+            <p:cNvSpPr/>
+            <p:nvPr/>
+          </p:nvSpPr>
+          <p:spPr>
+            <a:xfrm>
+              <a:off x="2651760" y="1847088"/>
+              <a:ext cx="612648" cy="1316736"/>
+            </a:xfrm>
+            <a:prstGeom prst="rect">
+              <a:avLst/>
+            </a:prstGeom>
+            <a:solidFill>
+              <a:srgbClr val="00B050"/>
+            </a:solidFill>
+            <a:ln>
+              <a:noFill/>
+            </a:ln>
+          </p:spPr>
+          <p:style>
+            <a:lnRef idx="2">
+              <a:schemeClr val="dk1"/>
+            </a:lnRef>
+            <a:fillRef idx="1">
+              <a:schemeClr val="lt1"/>
+            </a:fillRef>
+            <a:effectRef idx="0">
+              <a:schemeClr val="dk1"/>
+            </a:effectRef>
+            <a:fontRef idx="minor">
+              <a:schemeClr val="dk1"/>
+            </a:fontRef>
+          </p:style>
+          <p:txBody>
+            <a:bodyPr rtlCol="0" anchor="ctr"/>
+            <a:lstStyle/>
+            <a:p>
+              <a:pPr algn="ctr"/>
+              <a:endParaRPr lang="ko-US"/>
+            </a:p>
+          </p:txBody>
+        </p:sp>
+        <p:sp>
+          <p:nvSpPr>
+            <p:cNvPr id="23" name="직사각형 22">
+              <a:extLst>
+                <a:ext uri="{FF2B5EF4-FFF2-40B4-BE49-F238E27FC236}">
+                  <a16:creationId xmlns:a16="http://schemas.microsoft.com/office/drawing/2014/main" id="{A34C35F1-314E-1EDC-D639-DE7960DBB59C}"/>
+                </a:ext>
+              </a:extLst>
+            </p:cNvPr>
+            <p:cNvSpPr/>
+            <p:nvPr/>
+          </p:nvSpPr>
+          <p:spPr>
+            <a:xfrm rot="5400000">
+              <a:off x="3691890" y="2082546"/>
+              <a:ext cx="612648" cy="2692908"/>
+            </a:xfrm>
+            <a:prstGeom prst="rect">
+              <a:avLst/>
+            </a:prstGeom>
+            <a:solidFill>
+              <a:srgbClr val="00B050"/>
+            </a:solidFill>
+            <a:ln>
+              <a:noFill/>
+            </a:ln>
+          </p:spPr>
+          <p:style>
+            <a:lnRef idx="2">
+              <a:schemeClr val="dk1"/>
+            </a:lnRef>
+            <a:fillRef idx="1">
+              <a:schemeClr val="lt1"/>
+            </a:fillRef>
+            <a:effectRef idx="0">
+              <a:schemeClr val="dk1"/>
+            </a:effectRef>
+            <a:fontRef idx="minor">
+              <a:schemeClr val="dk1"/>
+            </a:fontRef>
+          </p:style>
+          <p:txBody>
+            <a:bodyPr rtlCol="0" anchor="ctr"/>
+            <a:lstStyle/>
+            <a:p>
+              <a:pPr algn="ctr"/>
+              <a:endParaRPr lang="ko-US"/>
+            </a:p>
+          </p:txBody>
+        </p:sp>
+      </p:grpSp>
     </p:spTree>
     <p:extLst>
       <p:ext uri="{BB962C8B-B14F-4D97-AF65-F5344CB8AC3E}">
@@ -6183,6 +6598,127 @@
           </a:p>
         </p:txBody>
       </p:sp>
+      <p:grpSp>
+        <p:nvGrpSpPr>
+          <p:cNvPr id="11" name="그룹 10">
+            <a:extLst>
+              <a:ext uri="{FF2B5EF4-FFF2-40B4-BE49-F238E27FC236}">
+                <a16:creationId xmlns:a16="http://schemas.microsoft.com/office/drawing/2014/main" id="{4FE11F34-8F16-5730-5023-02019D53261B}"/>
+              </a:ext>
+            </a:extLst>
+          </p:cNvPr>
+          <p:cNvGrpSpPr/>
+          <p:nvPr/>
+        </p:nvGrpSpPr>
+        <p:grpSpPr>
+          <a:xfrm rot="18882072">
+            <a:off x="3021436" y="1371600"/>
+            <a:ext cx="2692908" cy="1888236"/>
+            <a:chOff x="2651760" y="1847088"/>
+            <a:chExt cx="2692908" cy="1888236"/>
+          </a:xfrm>
+        </p:grpSpPr>
+        <p:sp>
+          <p:nvSpPr>
+            <p:cNvPr id="8" name="직사각형 7">
+              <a:extLst>
+                <a:ext uri="{FF2B5EF4-FFF2-40B4-BE49-F238E27FC236}">
+                  <a16:creationId xmlns:a16="http://schemas.microsoft.com/office/drawing/2014/main" id="{207F5EA6-6990-4D47-6530-F118AF96539A}"/>
+                </a:ext>
+              </a:extLst>
+            </p:cNvPr>
+            <p:cNvSpPr/>
+            <p:nvPr/>
+          </p:nvSpPr>
+          <p:spPr>
+            <a:xfrm>
+              <a:off x="2651760" y="1847088"/>
+              <a:ext cx="612648" cy="1316736"/>
+            </a:xfrm>
+            <a:prstGeom prst="rect">
+              <a:avLst/>
+            </a:prstGeom>
+            <a:solidFill>
+              <a:srgbClr val="00B050"/>
+            </a:solidFill>
+            <a:ln>
+              <a:noFill/>
+            </a:ln>
+          </p:spPr>
+          <p:style>
+            <a:lnRef idx="2">
+              <a:schemeClr val="dk1"/>
+            </a:lnRef>
+            <a:fillRef idx="1">
+              <a:schemeClr val="lt1"/>
+            </a:fillRef>
+            <a:effectRef idx="0">
+              <a:schemeClr val="dk1"/>
+            </a:effectRef>
+            <a:fontRef idx="minor">
+              <a:schemeClr val="dk1"/>
+            </a:fontRef>
+          </p:style>
+          <p:txBody>
+            <a:bodyPr rtlCol="0" anchor="ctr"/>
+            <a:lstStyle/>
+            <a:p>
+              <a:pPr algn="ctr"/>
+              <a:endParaRPr lang="ko-US"/>
+            </a:p>
+          </p:txBody>
+        </p:sp>
+        <p:sp>
+          <p:nvSpPr>
+            <p:cNvPr id="9" name="직사각형 8">
+              <a:extLst>
+                <a:ext uri="{FF2B5EF4-FFF2-40B4-BE49-F238E27FC236}">
+                  <a16:creationId xmlns:a16="http://schemas.microsoft.com/office/drawing/2014/main" id="{23F54994-E37B-DC33-42D2-8D555C5D7A41}"/>
+                </a:ext>
+              </a:extLst>
+            </p:cNvPr>
+            <p:cNvSpPr/>
+            <p:nvPr/>
+          </p:nvSpPr>
+          <p:spPr>
+            <a:xfrm rot="5400000">
+              <a:off x="3691890" y="2082546"/>
+              <a:ext cx="612648" cy="2692908"/>
+            </a:xfrm>
+            <a:prstGeom prst="rect">
+              <a:avLst/>
+            </a:prstGeom>
+            <a:solidFill>
+              <a:srgbClr val="00B050"/>
+            </a:solidFill>
+            <a:ln>
+              <a:noFill/>
+            </a:ln>
+          </p:spPr>
+          <p:style>
+            <a:lnRef idx="2">
+              <a:schemeClr val="dk1"/>
+            </a:lnRef>
+            <a:fillRef idx="1">
+              <a:schemeClr val="lt1"/>
+            </a:fillRef>
+            <a:effectRef idx="0">
+              <a:schemeClr val="dk1"/>
+            </a:effectRef>
+            <a:fontRef idx="minor">
+              <a:schemeClr val="dk1"/>
+            </a:fontRef>
+          </p:style>
+          <p:txBody>
+            <a:bodyPr rtlCol="0" anchor="ctr"/>
+            <a:lstStyle/>
+            <a:p>
+              <a:pPr algn="ctr"/>
+              <a:endParaRPr lang="ko-US"/>
+            </a:p>
+          </p:txBody>
+        </p:sp>
+      </p:grpSp>
     </p:spTree>
     <p:extLst>
       <p:ext uri="{BB962C8B-B14F-4D97-AF65-F5344CB8AC3E}">
@@ -8413,6 +8949,127 @@
           </a:p>
         </p:txBody>
       </p:sp>
+      <p:grpSp>
+        <p:nvGrpSpPr>
+          <p:cNvPr id="4" name="그룹 3">
+            <a:extLst>
+              <a:ext uri="{FF2B5EF4-FFF2-40B4-BE49-F238E27FC236}">
+                <a16:creationId xmlns:a16="http://schemas.microsoft.com/office/drawing/2014/main" id="{E00F5AF0-6BC6-A061-7605-FFEA6255E86A}"/>
+              </a:ext>
+            </a:extLst>
+          </p:cNvPr>
+          <p:cNvGrpSpPr/>
+          <p:nvPr/>
+        </p:nvGrpSpPr>
+        <p:grpSpPr>
+          <a:xfrm rot="18882072">
+            <a:off x="3021436" y="1371600"/>
+            <a:ext cx="2692908" cy="1888236"/>
+            <a:chOff x="2651760" y="1847088"/>
+            <a:chExt cx="2692908" cy="1888236"/>
+          </a:xfrm>
+        </p:grpSpPr>
+        <p:sp>
+          <p:nvSpPr>
+            <p:cNvPr id="10" name="직사각형 9">
+              <a:extLst>
+                <a:ext uri="{FF2B5EF4-FFF2-40B4-BE49-F238E27FC236}">
+                  <a16:creationId xmlns:a16="http://schemas.microsoft.com/office/drawing/2014/main" id="{3C54D626-13D6-A96A-0F1D-40876889AB21}"/>
+                </a:ext>
+              </a:extLst>
+            </p:cNvPr>
+            <p:cNvSpPr/>
+            <p:nvPr/>
+          </p:nvSpPr>
+          <p:spPr>
+            <a:xfrm>
+              <a:off x="2651760" y="1847088"/>
+              <a:ext cx="612648" cy="1316736"/>
+            </a:xfrm>
+            <a:prstGeom prst="rect">
+              <a:avLst/>
+            </a:prstGeom>
+            <a:solidFill>
+              <a:srgbClr val="00B050"/>
+            </a:solidFill>
+            <a:ln>
+              <a:noFill/>
+            </a:ln>
+          </p:spPr>
+          <p:style>
+            <a:lnRef idx="2">
+              <a:schemeClr val="dk1"/>
+            </a:lnRef>
+            <a:fillRef idx="1">
+              <a:schemeClr val="lt1"/>
+            </a:fillRef>
+            <a:effectRef idx="0">
+              <a:schemeClr val="dk1"/>
+            </a:effectRef>
+            <a:fontRef idx="minor">
+              <a:schemeClr val="dk1"/>
+            </a:fontRef>
+          </p:style>
+          <p:txBody>
+            <a:bodyPr rtlCol="0" anchor="ctr"/>
+            <a:lstStyle/>
+            <a:p>
+              <a:pPr algn="ctr"/>
+              <a:endParaRPr lang="ko-US"/>
+            </a:p>
+          </p:txBody>
+        </p:sp>
+        <p:sp>
+          <p:nvSpPr>
+            <p:cNvPr id="11" name="직사각형 10">
+              <a:extLst>
+                <a:ext uri="{FF2B5EF4-FFF2-40B4-BE49-F238E27FC236}">
+                  <a16:creationId xmlns:a16="http://schemas.microsoft.com/office/drawing/2014/main" id="{C9073243-F84B-E9F0-82F7-D458397AB03C}"/>
+                </a:ext>
+              </a:extLst>
+            </p:cNvPr>
+            <p:cNvSpPr/>
+            <p:nvPr/>
+          </p:nvSpPr>
+          <p:spPr>
+            <a:xfrm rot="5400000">
+              <a:off x="3691890" y="2082546"/>
+              <a:ext cx="612648" cy="2692908"/>
+            </a:xfrm>
+            <a:prstGeom prst="rect">
+              <a:avLst/>
+            </a:prstGeom>
+            <a:solidFill>
+              <a:srgbClr val="00B050"/>
+            </a:solidFill>
+            <a:ln>
+              <a:noFill/>
+            </a:ln>
+          </p:spPr>
+          <p:style>
+            <a:lnRef idx="2">
+              <a:schemeClr val="dk1"/>
+            </a:lnRef>
+            <a:fillRef idx="1">
+              <a:schemeClr val="lt1"/>
+            </a:fillRef>
+            <a:effectRef idx="0">
+              <a:schemeClr val="dk1"/>
+            </a:effectRef>
+            <a:fontRef idx="minor">
+              <a:schemeClr val="dk1"/>
+            </a:fontRef>
+          </p:style>
+          <p:txBody>
+            <a:bodyPr rtlCol="0" anchor="ctr"/>
+            <a:lstStyle/>
+            <a:p>
+              <a:pPr algn="ctr"/>
+              <a:endParaRPr lang="ko-US"/>
+            </a:p>
+          </p:txBody>
+        </p:sp>
+      </p:grpSp>
     </p:spTree>
     <p:extLst>
       <p:ext uri="{BB962C8B-B14F-4D97-AF65-F5344CB8AC3E}">
@@ -8670,6 +9327,127 @@
           </a:p>
         </p:txBody>
       </p:sp>
+      <p:grpSp>
+        <p:nvGrpSpPr>
+          <p:cNvPr id="2" name="그룹 1">
+            <a:extLst>
+              <a:ext uri="{FF2B5EF4-FFF2-40B4-BE49-F238E27FC236}">
+                <a16:creationId xmlns:a16="http://schemas.microsoft.com/office/drawing/2014/main" id="{85041E6B-0D7A-F41B-2BD8-DBB2B136DACE}"/>
+              </a:ext>
+            </a:extLst>
+          </p:cNvPr>
+          <p:cNvGrpSpPr/>
+          <p:nvPr/>
+        </p:nvGrpSpPr>
+        <p:grpSpPr>
+          <a:xfrm rot="18882072">
+            <a:off x="3021436" y="1371600"/>
+            <a:ext cx="2692908" cy="1888236"/>
+            <a:chOff x="2651760" y="1847088"/>
+            <a:chExt cx="2692908" cy="1888236"/>
+          </a:xfrm>
+        </p:grpSpPr>
+        <p:sp>
+          <p:nvSpPr>
+            <p:cNvPr id="3" name="직사각형 2">
+              <a:extLst>
+                <a:ext uri="{FF2B5EF4-FFF2-40B4-BE49-F238E27FC236}">
+                  <a16:creationId xmlns:a16="http://schemas.microsoft.com/office/drawing/2014/main" id="{2BB000F4-B9F2-5D22-340A-55D24B9F850A}"/>
+                </a:ext>
+              </a:extLst>
+            </p:cNvPr>
+            <p:cNvSpPr/>
+            <p:nvPr/>
+          </p:nvSpPr>
+          <p:spPr>
+            <a:xfrm>
+              <a:off x="2651760" y="1847088"/>
+              <a:ext cx="612648" cy="1316736"/>
+            </a:xfrm>
+            <a:prstGeom prst="rect">
+              <a:avLst/>
+            </a:prstGeom>
+            <a:solidFill>
+              <a:srgbClr val="00B050"/>
+            </a:solidFill>
+            <a:ln>
+              <a:noFill/>
+            </a:ln>
+          </p:spPr>
+          <p:style>
+            <a:lnRef idx="2">
+              <a:schemeClr val="dk1"/>
+            </a:lnRef>
+            <a:fillRef idx="1">
+              <a:schemeClr val="lt1"/>
+            </a:fillRef>
+            <a:effectRef idx="0">
+              <a:schemeClr val="dk1"/>
+            </a:effectRef>
+            <a:fontRef idx="minor">
+              <a:schemeClr val="dk1"/>
+            </a:fontRef>
+          </p:style>
+          <p:txBody>
+            <a:bodyPr rtlCol="0" anchor="ctr"/>
+            <a:lstStyle/>
+            <a:p>
+              <a:pPr algn="ctr"/>
+              <a:endParaRPr lang="ko-US"/>
+            </a:p>
+          </p:txBody>
+        </p:sp>
+        <p:sp>
+          <p:nvSpPr>
+            <p:cNvPr id="4" name="직사각형 3">
+              <a:extLst>
+                <a:ext uri="{FF2B5EF4-FFF2-40B4-BE49-F238E27FC236}">
+                  <a16:creationId xmlns:a16="http://schemas.microsoft.com/office/drawing/2014/main" id="{473A4DDE-B4B0-77FA-8922-B0E9DBB08365}"/>
+                </a:ext>
+              </a:extLst>
+            </p:cNvPr>
+            <p:cNvSpPr/>
+            <p:nvPr/>
+          </p:nvSpPr>
+          <p:spPr>
+            <a:xfrm rot="5400000">
+              <a:off x="3691890" y="2082546"/>
+              <a:ext cx="612648" cy="2692908"/>
+            </a:xfrm>
+            <a:prstGeom prst="rect">
+              <a:avLst/>
+            </a:prstGeom>
+            <a:solidFill>
+              <a:srgbClr val="00B050"/>
+            </a:solidFill>
+            <a:ln>
+              <a:noFill/>
+            </a:ln>
+          </p:spPr>
+          <p:style>
+            <a:lnRef idx="2">
+              <a:schemeClr val="dk1"/>
+            </a:lnRef>
+            <a:fillRef idx="1">
+              <a:schemeClr val="lt1"/>
+            </a:fillRef>
+            <a:effectRef idx="0">
+              <a:schemeClr val="dk1"/>
+            </a:effectRef>
+            <a:fontRef idx="minor">
+              <a:schemeClr val="dk1"/>
+            </a:fontRef>
+          </p:style>
+          <p:txBody>
+            <a:bodyPr rtlCol="0" anchor="ctr"/>
+            <a:lstStyle/>
+            <a:p>
+              <a:pPr algn="ctr"/>
+              <a:endParaRPr lang="ko-US"/>
+            </a:p>
+          </p:txBody>
+        </p:sp>
+      </p:grpSp>
     </p:spTree>
     <p:extLst>
       <p:ext uri="{BB962C8B-B14F-4D97-AF65-F5344CB8AC3E}">
@@ -9002,151 +9780,37 @@
           </p:txBody>
         </p:sp>
       </p:grpSp>
-      <p:grpSp>
-        <p:nvGrpSpPr>
-          <p:cNvPr id="28" name="그룹 27">
-            <a:extLst>
-              <a:ext uri="{FF2B5EF4-FFF2-40B4-BE49-F238E27FC236}">
-                <a16:creationId xmlns:a16="http://schemas.microsoft.com/office/drawing/2014/main" id="{D07E24D8-1017-E850-2CF9-6C88DA9177D4}"/>
-              </a:ext>
-            </a:extLst>
-          </p:cNvPr>
-          <p:cNvGrpSpPr/>
-          <p:nvPr/>
-        </p:nvGrpSpPr>
-        <p:grpSpPr>
+      <p:sp>
+        <p:nvSpPr>
+          <p:cNvPr id="29" name="TextBox 28">
+            <a:extLst>
+              <a:ext uri="{FF2B5EF4-FFF2-40B4-BE49-F238E27FC236}">
+                <a16:creationId xmlns:a16="http://schemas.microsoft.com/office/drawing/2014/main" id="{6602F548-1603-AA04-F664-43C9089EE146}"/>
+              </a:ext>
+            </a:extLst>
+          </p:cNvPr>
+          <p:cNvSpPr txBox="1"/>
+          <p:nvPr/>
+        </p:nvSpPr>
+        <p:spPr>
           <a:xfrm>
             <a:off x="2564523" y="5812445"/>
-            <a:ext cx="7252138" cy="369332"/>
-            <a:chOff x="2564523" y="2039007"/>
-            <a:chExt cx="7252138" cy="369332"/>
-          </a:xfrm>
-        </p:grpSpPr>
-        <p:sp>
-          <p:nvSpPr>
-            <p:cNvPr id="29" name="TextBox 28">
-              <a:extLst>
-                <a:ext uri="{FF2B5EF4-FFF2-40B4-BE49-F238E27FC236}">
-                  <a16:creationId xmlns:a16="http://schemas.microsoft.com/office/drawing/2014/main" id="{6602F548-1603-AA04-F664-43C9089EE146}"/>
-                </a:ext>
-              </a:extLst>
-            </p:cNvPr>
-            <p:cNvSpPr txBox="1"/>
-            <p:nvPr/>
-          </p:nvSpPr>
-          <p:spPr>
-            <a:xfrm>
-              <a:off x="2564523" y="2039007"/>
-              <a:ext cx="1713187" cy="369332"/>
-            </a:xfrm>
-            <a:prstGeom prst="rect">
-              <a:avLst/>
-            </a:prstGeom>
-            <a:noFill/>
-          </p:spPr>
-          <p:txBody>
-            <a:bodyPr wrap="square" rtlCol="0">
-              <a:spAutoFit/>
-            </a:bodyPr>
-            <a:lstStyle/>
-            <a:p>
-              <a:r>
-                <a:rPr lang="en-US" dirty="0"/>
-                <a:t>Status</a:t>
-              </a:r>
-              <a:endParaRPr lang="ko-US" dirty="0"/>
-            </a:p>
-          </p:txBody>
-        </p:sp>
-        <p:sp>
-          <p:nvSpPr>
-            <p:cNvPr id="30" name="직사각형 29">
-              <a:extLst>
-                <a:ext uri="{FF2B5EF4-FFF2-40B4-BE49-F238E27FC236}">
-                  <a16:creationId xmlns:a16="http://schemas.microsoft.com/office/drawing/2014/main" id="{EB836C1A-9E95-8322-9FD3-C6433F0E5ED4}"/>
-                </a:ext>
-              </a:extLst>
-            </p:cNvPr>
-            <p:cNvSpPr/>
-            <p:nvPr/>
-          </p:nvSpPr>
-          <p:spPr>
-            <a:xfrm>
-              <a:off x="4813736" y="2059449"/>
-              <a:ext cx="5002925" cy="328448"/>
-            </a:xfrm>
-            <a:prstGeom prst="rect">
-              <a:avLst/>
-            </a:prstGeom>
-          </p:spPr>
-          <p:style>
-            <a:lnRef idx="2">
-              <a:schemeClr val="dk1"/>
-            </a:lnRef>
-            <a:fillRef idx="1">
-              <a:schemeClr val="lt1"/>
-            </a:fillRef>
-            <a:effectRef idx="0">
-              <a:schemeClr val="dk1"/>
-            </a:effectRef>
-            <a:fontRef idx="minor">
-              <a:schemeClr val="dk1"/>
-            </a:fontRef>
-          </p:style>
-          <p:txBody>
-            <a:bodyPr rtlCol="0" anchor="ctr"/>
-            <a:lstStyle/>
-            <a:p>
-              <a:endParaRPr lang="ko-US" dirty="0"/>
-            </a:p>
-          </p:txBody>
-        </p:sp>
-      </p:grpSp>
-      <p:sp>
-        <p:nvSpPr>
-          <p:cNvPr id="32" name="직사각형 31">
-            <a:extLst>
-              <a:ext uri="{FF2B5EF4-FFF2-40B4-BE49-F238E27FC236}">
-                <a16:creationId xmlns:a16="http://schemas.microsoft.com/office/drawing/2014/main" id="{711232E2-2AA6-01A4-5F44-1D0705694279}"/>
-              </a:ext>
-            </a:extLst>
-          </p:cNvPr>
-          <p:cNvSpPr/>
-          <p:nvPr/>
-        </p:nvSpPr>
-        <p:spPr>
-          <a:xfrm>
-            <a:off x="4813736" y="5835377"/>
-            <a:ext cx="2501462" cy="328448"/>
-          </a:xfrm>
-          <a:prstGeom prst="rect">
-            <a:avLst/>
-          </a:prstGeom>
-        </p:spPr>
-        <p:style>
-          <a:lnRef idx="2">
-            <a:schemeClr val="accent3">
-              <a:shade val="15000"/>
-            </a:schemeClr>
-          </a:lnRef>
-          <a:fillRef idx="1">
-            <a:schemeClr val="accent3"/>
-          </a:fillRef>
-          <a:effectRef idx="0">
-            <a:schemeClr val="accent3"/>
-          </a:effectRef>
-          <a:fontRef idx="minor">
-            <a:schemeClr val="lt1"/>
-          </a:fontRef>
-        </p:style>
-        <p:txBody>
-          <a:bodyPr rtlCol="0" anchor="ctr"/>
-          <a:lstStyle/>
-          <a:p>
-            <a:pPr algn="ctr"/>
+            <a:ext cx="1713187" cy="369332"/>
+          </a:xfrm>
+          <a:prstGeom prst="rect">
+            <a:avLst/>
+          </a:prstGeom>
+          <a:noFill/>
+        </p:spPr>
+        <p:txBody>
+          <a:bodyPr wrap="square" rtlCol="0">
+            <a:spAutoFit/>
+          </a:bodyPr>
+          <a:lstStyle/>
+          <a:p>
             <a:r>
               <a:rPr lang="en-US" dirty="0"/>
-              <a:t>Running</a:t>
+              <a:t>Action</a:t>
             </a:r>
             <a:endParaRPr lang="ko-US" dirty="0"/>
           </a:p>
@@ -9933,67 +10597,6 @@
       </p:sp>
       <p:sp>
         <p:nvSpPr>
-          <p:cNvPr id="48" name="직사각형 47">
-            <a:extLst>
-              <a:ext uri="{FF2B5EF4-FFF2-40B4-BE49-F238E27FC236}">
-                <a16:creationId xmlns:a16="http://schemas.microsoft.com/office/drawing/2014/main" id="{71113E66-6D95-7AE6-7826-76DF116D8C3E}"/>
-              </a:ext>
-            </a:extLst>
-          </p:cNvPr>
-          <p:cNvSpPr/>
-          <p:nvPr/>
-        </p:nvSpPr>
-        <p:spPr>
-          <a:xfrm>
-            <a:off x="7315198" y="5836469"/>
-            <a:ext cx="2501462" cy="328448"/>
-          </a:xfrm>
-          <a:prstGeom prst="rect">
-            <a:avLst/>
-          </a:prstGeom>
-          <a:solidFill>
-            <a:schemeClr val="bg1"/>
-          </a:solidFill>
-        </p:spPr>
-        <p:style>
-          <a:lnRef idx="2">
-            <a:schemeClr val="accent3">
-              <a:shade val="15000"/>
-            </a:schemeClr>
-          </a:lnRef>
-          <a:fillRef idx="1">
-            <a:schemeClr val="accent3"/>
-          </a:fillRef>
-          <a:effectRef idx="0">
-            <a:schemeClr val="accent3"/>
-          </a:effectRef>
-          <a:fontRef idx="minor">
-            <a:schemeClr val="lt1"/>
-          </a:fontRef>
-        </p:style>
-        <p:txBody>
-          <a:bodyPr rtlCol="0" anchor="ctr"/>
-          <a:lstStyle/>
-          <a:p>
-            <a:pPr algn="ctr"/>
-            <a:r>
-              <a:rPr lang="en-US" dirty="0">
-                <a:solidFill>
-                  <a:srgbClr val="FF0000"/>
-                </a:solidFill>
-              </a:rPr>
-              <a:t>Stop</a:t>
-            </a:r>
-            <a:endParaRPr lang="ko-US" dirty="0">
-              <a:solidFill>
-                <a:srgbClr val="FF0000"/>
-              </a:solidFill>
-            </a:endParaRPr>
-          </a:p>
-        </p:txBody>
-      </p:sp>
-      <p:sp>
-        <p:nvSpPr>
           <p:cNvPr id="59" name="직사각형 58">
             <a:extLst>
               <a:ext uri="{FF2B5EF4-FFF2-40B4-BE49-F238E27FC236}">
@@ -11095,6 +11698,130 @@
           <a:p>
             <a:pPr algn="ctr"/>
             <a:endParaRPr lang="ko-US"/>
+          </a:p>
+        </p:txBody>
+      </p:sp>
+      <p:sp>
+        <p:nvSpPr>
+          <p:cNvPr id="9" name="직사각형 8">
+            <a:extLst>
+              <a:ext uri="{FF2B5EF4-FFF2-40B4-BE49-F238E27FC236}">
+                <a16:creationId xmlns:a16="http://schemas.microsoft.com/office/drawing/2014/main" id="{0DDBCC44-87E9-F21F-DD07-E36CBD7E077E}"/>
+              </a:ext>
+            </a:extLst>
+          </p:cNvPr>
+          <p:cNvSpPr/>
+          <p:nvPr/>
+        </p:nvSpPr>
+        <p:spPr>
+          <a:xfrm>
+            <a:off x="7415093" y="5834132"/>
+            <a:ext cx="2401568" cy="328448"/>
+          </a:xfrm>
+          <a:prstGeom prst="rect">
+            <a:avLst/>
+          </a:prstGeom>
+          <a:solidFill>
+            <a:schemeClr val="bg1"/>
+          </a:solidFill>
+        </p:spPr>
+        <p:style>
+          <a:lnRef idx="2">
+            <a:schemeClr val="accent3">
+              <a:shade val="15000"/>
+            </a:schemeClr>
+          </a:lnRef>
+          <a:fillRef idx="1">
+            <a:schemeClr val="accent3"/>
+          </a:fillRef>
+          <a:effectRef idx="0">
+            <a:schemeClr val="accent3"/>
+          </a:effectRef>
+          <a:fontRef idx="minor">
+            <a:schemeClr val="lt1"/>
+          </a:fontRef>
+        </p:style>
+        <p:txBody>
+          <a:bodyPr rtlCol="0" anchor="ctr"/>
+          <a:lstStyle/>
+          <a:p>
+            <a:pPr algn="ctr"/>
+            <a:r>
+              <a:rPr lang="en-US" dirty="0">
+                <a:solidFill>
+                  <a:schemeClr val="tx1"/>
+                </a:solidFill>
+              </a:rPr>
+              <a:t>Stop</a:t>
+            </a:r>
+            <a:endParaRPr lang="ko-US" dirty="0">
+              <a:solidFill>
+                <a:schemeClr val="tx1"/>
+              </a:solidFill>
+            </a:endParaRPr>
+          </a:p>
+        </p:txBody>
+      </p:sp>
+      <p:sp>
+        <p:nvSpPr>
+          <p:cNvPr id="14" name="직사각형 13">
+            <a:extLst>
+              <a:ext uri="{FF2B5EF4-FFF2-40B4-BE49-F238E27FC236}">
+                <a16:creationId xmlns:a16="http://schemas.microsoft.com/office/drawing/2014/main" id="{8716E1BC-95E5-80FA-EB57-042FBE75F570}"/>
+              </a:ext>
+            </a:extLst>
+          </p:cNvPr>
+          <p:cNvSpPr/>
+          <p:nvPr/>
+        </p:nvSpPr>
+        <p:spPr>
+          <a:xfrm>
+            <a:off x="4803393" y="5832887"/>
+            <a:ext cx="2401567" cy="328448"/>
+          </a:xfrm>
+          <a:prstGeom prst="rect">
+            <a:avLst/>
+          </a:prstGeom>
+          <a:noFill/>
+        </p:spPr>
+        <p:style>
+          <a:lnRef idx="2">
+            <a:schemeClr val="accent3">
+              <a:shade val="15000"/>
+            </a:schemeClr>
+          </a:lnRef>
+          <a:fillRef idx="1">
+            <a:schemeClr val="accent3"/>
+          </a:fillRef>
+          <a:effectRef idx="0">
+            <a:schemeClr val="accent3"/>
+          </a:effectRef>
+          <a:fontRef idx="minor">
+            <a:schemeClr val="lt1"/>
+          </a:fontRef>
+        </p:style>
+        <p:txBody>
+          <a:bodyPr rtlCol="0" anchor="ctr"/>
+          <a:lstStyle/>
+          <a:p>
+            <a:pPr algn="ctr"/>
+            <a:r>
+              <a:rPr lang="en-US" dirty="0">
+                <a:solidFill>
+                  <a:schemeClr val="bg1">
+                    <a:lumMod val="65000"/>
+                  </a:schemeClr>
+                </a:solidFill>
+              </a:rPr>
+              <a:t>Run</a:t>
+            </a:r>
+            <a:endParaRPr lang="ko-US" dirty="0">
+              <a:solidFill>
+                <a:schemeClr val="bg1">
+                  <a:lumMod val="65000"/>
+                </a:schemeClr>
+              </a:solidFill>
+            </a:endParaRPr>
           </a:p>
         </p:txBody>
       </p:sp>
@@ -14366,6 +15093,53 @@
           </a:p>
         </p:txBody>
       </p:sp>
+      <p:sp>
+        <p:nvSpPr>
+          <p:cNvPr id="9" name="곱하기 8">
+            <a:extLst>
+              <a:ext uri="{FF2B5EF4-FFF2-40B4-BE49-F238E27FC236}">
+                <a16:creationId xmlns:a16="http://schemas.microsoft.com/office/drawing/2014/main" id="{A14D29C1-73E6-B069-A689-8B97DA4E5C63}"/>
+              </a:ext>
+            </a:extLst>
+          </p:cNvPr>
+          <p:cNvSpPr/>
+          <p:nvPr/>
+        </p:nvSpPr>
+        <p:spPr>
+          <a:xfrm>
+            <a:off x="2490006" y="-14191"/>
+            <a:ext cx="7295126" cy="7295126"/>
+          </a:xfrm>
+          <a:prstGeom prst="mathMultiply">
+            <a:avLst/>
+          </a:prstGeom>
+          <a:solidFill>
+            <a:srgbClr val="FF0000"/>
+          </a:solidFill>
+        </p:spPr>
+        <p:style>
+          <a:lnRef idx="2">
+            <a:schemeClr val="dk1"/>
+          </a:lnRef>
+          <a:fillRef idx="1">
+            <a:schemeClr val="lt1"/>
+          </a:fillRef>
+          <a:effectRef idx="0">
+            <a:schemeClr val="dk1"/>
+          </a:effectRef>
+          <a:fontRef idx="minor">
+            <a:schemeClr val="dk1"/>
+          </a:fontRef>
+        </p:style>
+        <p:txBody>
+          <a:bodyPr rtlCol="0" anchor="ctr"/>
+          <a:lstStyle/>
+          <a:p>
+            <a:pPr algn="ctr"/>
+            <a:endParaRPr lang="ko-US"/>
+          </a:p>
+        </p:txBody>
+      </p:sp>
     </p:spTree>
     <p:extLst>
       <p:ext uri="{BB962C8B-B14F-4D97-AF65-F5344CB8AC3E}">
@@ -16596,6 +17370,53 @@
           </a:p>
         </p:txBody>
       </p:sp>
+      <p:sp>
+        <p:nvSpPr>
+          <p:cNvPr id="4" name="곱하기 3">
+            <a:extLst>
+              <a:ext uri="{FF2B5EF4-FFF2-40B4-BE49-F238E27FC236}">
+                <a16:creationId xmlns:a16="http://schemas.microsoft.com/office/drawing/2014/main" id="{FC273FCC-E97A-4485-2657-D1454CA2E66B}"/>
+              </a:ext>
+            </a:extLst>
+          </p:cNvPr>
+          <p:cNvSpPr/>
+          <p:nvPr/>
+        </p:nvSpPr>
+        <p:spPr>
+          <a:xfrm>
+            <a:off x="2490006" y="-14191"/>
+            <a:ext cx="7295126" cy="7295126"/>
+          </a:xfrm>
+          <a:prstGeom prst="mathMultiply">
+            <a:avLst/>
+          </a:prstGeom>
+          <a:solidFill>
+            <a:srgbClr val="FF0000"/>
+          </a:solidFill>
+        </p:spPr>
+        <p:style>
+          <a:lnRef idx="2">
+            <a:schemeClr val="dk1"/>
+          </a:lnRef>
+          <a:fillRef idx="1">
+            <a:schemeClr val="lt1"/>
+          </a:fillRef>
+          <a:effectRef idx="0">
+            <a:schemeClr val="dk1"/>
+          </a:effectRef>
+          <a:fontRef idx="minor">
+            <a:schemeClr val="dk1"/>
+          </a:fontRef>
+        </p:style>
+        <p:txBody>
+          <a:bodyPr rtlCol="0" anchor="ctr"/>
+          <a:lstStyle/>
+          <a:p>
+            <a:pPr algn="ctr"/>
+            <a:endParaRPr lang="ko-US"/>
+          </a:p>
+        </p:txBody>
+      </p:sp>
     </p:spTree>
     <p:extLst>
       <p:ext uri="{BB962C8B-B14F-4D97-AF65-F5344CB8AC3E}">
@@ -16859,6 +17680,53 @@
           </a:p>
         </p:txBody>
       </p:sp>
+      <p:sp>
+        <p:nvSpPr>
+          <p:cNvPr id="2" name="곱하기 1">
+            <a:extLst>
+              <a:ext uri="{FF2B5EF4-FFF2-40B4-BE49-F238E27FC236}">
+                <a16:creationId xmlns:a16="http://schemas.microsoft.com/office/drawing/2014/main" id="{049B1D5F-975E-0043-600B-9595BA9698C2}"/>
+              </a:ext>
+            </a:extLst>
+          </p:cNvPr>
+          <p:cNvSpPr/>
+          <p:nvPr/>
+        </p:nvSpPr>
+        <p:spPr>
+          <a:xfrm>
+            <a:off x="2490006" y="-14191"/>
+            <a:ext cx="7295126" cy="7295126"/>
+          </a:xfrm>
+          <a:prstGeom prst="mathMultiply">
+            <a:avLst/>
+          </a:prstGeom>
+          <a:solidFill>
+            <a:srgbClr val="FF0000"/>
+          </a:solidFill>
+        </p:spPr>
+        <p:style>
+          <a:lnRef idx="2">
+            <a:schemeClr val="dk1"/>
+          </a:lnRef>
+          <a:fillRef idx="1">
+            <a:schemeClr val="lt1"/>
+          </a:fillRef>
+          <a:effectRef idx="0">
+            <a:schemeClr val="dk1"/>
+          </a:effectRef>
+          <a:fontRef idx="minor">
+            <a:schemeClr val="dk1"/>
+          </a:fontRef>
+        </p:style>
+        <p:txBody>
+          <a:bodyPr rtlCol="0" anchor="ctr"/>
+          <a:lstStyle/>
+          <a:p>
+            <a:pPr algn="ctr"/>
+            <a:endParaRPr lang="ko-US"/>
+          </a:p>
+        </p:txBody>
+      </p:sp>
     </p:spTree>
     <p:extLst>
       <p:ext uri="{BB962C8B-B14F-4D97-AF65-F5344CB8AC3E}">
@@ -17584,6 +18452,53 @@
               <a:t>Service Activation</a:t>
             </a:r>
             <a:endParaRPr lang="ko-US" dirty="0"/>
+          </a:p>
+        </p:txBody>
+      </p:sp>
+      <p:sp>
+        <p:nvSpPr>
+          <p:cNvPr id="9" name="곱하기 8">
+            <a:extLst>
+              <a:ext uri="{FF2B5EF4-FFF2-40B4-BE49-F238E27FC236}">
+                <a16:creationId xmlns:a16="http://schemas.microsoft.com/office/drawing/2014/main" id="{9524F9F4-F7DF-8163-D59A-8E84646AB3A9}"/>
+              </a:ext>
+            </a:extLst>
+          </p:cNvPr>
+          <p:cNvSpPr/>
+          <p:nvPr/>
+        </p:nvSpPr>
+        <p:spPr>
+          <a:xfrm>
+            <a:off x="2490006" y="-14191"/>
+            <a:ext cx="7295126" cy="7295126"/>
+          </a:xfrm>
+          <a:prstGeom prst="mathMultiply">
+            <a:avLst/>
+          </a:prstGeom>
+          <a:solidFill>
+            <a:srgbClr val="FF0000"/>
+          </a:solidFill>
+        </p:spPr>
+        <p:style>
+          <a:lnRef idx="2">
+            <a:schemeClr val="dk1"/>
+          </a:lnRef>
+          <a:fillRef idx="1">
+            <a:schemeClr val="lt1"/>
+          </a:fillRef>
+          <a:effectRef idx="0">
+            <a:schemeClr val="dk1"/>
+          </a:effectRef>
+          <a:fontRef idx="minor">
+            <a:schemeClr val="dk1"/>
+          </a:fontRef>
+        </p:style>
+        <p:txBody>
+          <a:bodyPr rtlCol="0" anchor="ctr"/>
+          <a:lstStyle/>
+          <a:p>
+            <a:pPr algn="ctr"/>
+            <a:endParaRPr lang="ko-US"/>
           </a:p>
         </p:txBody>
       </p:sp>
@@ -18203,6 +19118,53 @@
           </a:p>
         </p:txBody>
       </p:sp>
+      <p:sp>
+        <p:nvSpPr>
+          <p:cNvPr id="2" name="곱하기 1">
+            <a:extLst>
+              <a:ext uri="{FF2B5EF4-FFF2-40B4-BE49-F238E27FC236}">
+                <a16:creationId xmlns:a16="http://schemas.microsoft.com/office/drawing/2014/main" id="{D2DD2004-6F9E-41BD-088E-9165AC7A8EC4}"/>
+              </a:ext>
+            </a:extLst>
+          </p:cNvPr>
+          <p:cNvSpPr/>
+          <p:nvPr/>
+        </p:nvSpPr>
+        <p:spPr>
+          <a:xfrm>
+            <a:off x="2490006" y="-14191"/>
+            <a:ext cx="7295126" cy="7295126"/>
+          </a:xfrm>
+          <a:prstGeom prst="mathMultiply">
+            <a:avLst/>
+          </a:prstGeom>
+          <a:solidFill>
+            <a:srgbClr val="FF0000"/>
+          </a:solidFill>
+        </p:spPr>
+        <p:style>
+          <a:lnRef idx="2">
+            <a:schemeClr val="dk1"/>
+          </a:lnRef>
+          <a:fillRef idx="1">
+            <a:schemeClr val="lt1"/>
+          </a:fillRef>
+          <a:effectRef idx="0">
+            <a:schemeClr val="dk1"/>
+          </a:effectRef>
+          <a:fontRef idx="minor">
+            <a:schemeClr val="dk1"/>
+          </a:fontRef>
+        </p:style>
+        <p:txBody>
+          <a:bodyPr rtlCol="0" anchor="ctr"/>
+          <a:lstStyle/>
+          <a:p>
+            <a:pPr algn="ctr"/>
+            <a:endParaRPr lang="ko-US"/>
+          </a:p>
+        </p:txBody>
+      </p:sp>
     </p:spTree>
     <p:extLst>
       <p:ext uri="{BB962C8B-B14F-4D97-AF65-F5344CB8AC3E}">
@@ -19148,6 +20110,53 @@
           </a:p>
         </p:txBody>
       </p:sp>
+      <p:sp>
+        <p:nvSpPr>
+          <p:cNvPr id="3" name="곱하기 2">
+            <a:extLst>
+              <a:ext uri="{FF2B5EF4-FFF2-40B4-BE49-F238E27FC236}">
+                <a16:creationId xmlns:a16="http://schemas.microsoft.com/office/drawing/2014/main" id="{EE17C815-D3C4-175E-0184-7E026F3984CB}"/>
+              </a:ext>
+            </a:extLst>
+          </p:cNvPr>
+          <p:cNvSpPr/>
+          <p:nvPr/>
+        </p:nvSpPr>
+        <p:spPr>
+          <a:xfrm>
+            <a:off x="2490006" y="-14191"/>
+            <a:ext cx="7295126" cy="7295126"/>
+          </a:xfrm>
+          <a:prstGeom prst="mathMultiply">
+            <a:avLst/>
+          </a:prstGeom>
+          <a:solidFill>
+            <a:srgbClr val="FF0000"/>
+          </a:solidFill>
+        </p:spPr>
+        <p:style>
+          <a:lnRef idx="2">
+            <a:schemeClr val="dk1"/>
+          </a:lnRef>
+          <a:fillRef idx="1">
+            <a:schemeClr val="lt1"/>
+          </a:fillRef>
+          <a:effectRef idx="0">
+            <a:schemeClr val="dk1"/>
+          </a:effectRef>
+          <a:fontRef idx="minor">
+            <a:schemeClr val="dk1"/>
+          </a:fontRef>
+        </p:style>
+        <p:txBody>
+          <a:bodyPr rtlCol="0" anchor="ctr"/>
+          <a:lstStyle/>
+          <a:p>
+            <a:pPr algn="ctr"/>
+            <a:endParaRPr lang="ko-US"/>
+          </a:p>
+        </p:txBody>
+      </p:sp>
     </p:spTree>
     <p:extLst>
       <p:ext uri="{BB962C8B-B14F-4D97-AF65-F5344CB8AC3E}">
@@ -19847,6 +20856,53 @@
               <a:t>All strategies using WebSocket</a:t>
             </a:r>
             <a:endParaRPr lang="ko-US" dirty="0"/>
+          </a:p>
+        </p:txBody>
+      </p:sp>
+      <p:sp>
+        <p:nvSpPr>
+          <p:cNvPr id="8" name="곱하기 7">
+            <a:extLst>
+              <a:ext uri="{FF2B5EF4-FFF2-40B4-BE49-F238E27FC236}">
+                <a16:creationId xmlns:a16="http://schemas.microsoft.com/office/drawing/2014/main" id="{92716C46-4AD7-9D3A-8F7A-AE7AF6081A73}"/>
+              </a:ext>
+            </a:extLst>
+          </p:cNvPr>
+          <p:cNvSpPr/>
+          <p:nvPr/>
+        </p:nvSpPr>
+        <p:spPr>
+          <a:xfrm>
+            <a:off x="2490006" y="-437126"/>
+            <a:ext cx="7295126" cy="7295126"/>
+          </a:xfrm>
+          <a:prstGeom prst="mathMultiply">
+            <a:avLst/>
+          </a:prstGeom>
+          <a:solidFill>
+            <a:srgbClr val="FF0000"/>
+          </a:solidFill>
+        </p:spPr>
+        <p:style>
+          <a:lnRef idx="2">
+            <a:schemeClr val="dk1"/>
+          </a:lnRef>
+          <a:fillRef idx="1">
+            <a:schemeClr val="lt1"/>
+          </a:fillRef>
+          <a:effectRef idx="0">
+            <a:schemeClr val="dk1"/>
+          </a:effectRef>
+          <a:fontRef idx="minor">
+            <a:schemeClr val="dk1"/>
+          </a:fontRef>
+        </p:style>
+        <p:txBody>
+          <a:bodyPr rtlCol="0" anchor="ctr"/>
+          <a:lstStyle/>
+          <a:p>
+            <a:pPr algn="ctr"/>
+            <a:endParaRPr lang="ko-US"/>
           </a:p>
         </p:txBody>
       </p:sp>
@@ -20279,4 +21335,47 @@
     </a:ext>
   </a:extLst>
 </a:theme>
+</file>
+
+<file path=ppt/theme/themeOverride1.xml><?xml version="1.0" encoding="utf-8"?>
+<a:themeOverride xmlns:a="http://schemas.openxmlformats.org/drawingml/2006/main">
+  <a:clrScheme name="Office">
+    <a:dk1>
+      <a:sysClr val="windowText" lastClr="000000"/>
+    </a:dk1>
+    <a:lt1>
+      <a:sysClr val="window" lastClr="FFFFFF"/>
+    </a:lt1>
+    <a:dk2>
+      <a:srgbClr val="0E2841"/>
+    </a:dk2>
+    <a:lt2>
+      <a:srgbClr val="E8E8E8"/>
+    </a:lt2>
+    <a:accent1>
+      <a:srgbClr val="156082"/>
+    </a:accent1>
+    <a:accent2>
+      <a:srgbClr val="E97132"/>
+    </a:accent2>
+    <a:accent3>
+      <a:srgbClr val="196B24"/>
+    </a:accent3>
+    <a:accent4>
+      <a:srgbClr val="0F9ED5"/>
+    </a:accent4>
+    <a:accent5>
+      <a:srgbClr val="A02B93"/>
+    </a:accent5>
+    <a:accent6>
+      <a:srgbClr val="4EA72E"/>
+    </a:accent6>
+    <a:hlink>
+      <a:srgbClr val="467886"/>
+    </a:hlink>
+    <a:folHlink>
+      <a:srgbClr val="96607D"/>
+    </a:folHlink>
+  </a:clrScheme>
+</a:themeOverride>
 </file>
--- a/uidesign.pptx
+++ b/uidesign.pptx
@@ -278,7 +278,7 @@
           <a:p>
             <a:fld id="{C215B344-0433-FF4F-B973-CB82BEC5B924}" type="datetimeFigureOut">
               <a:rPr lang="ko-US" smtClean="0"/>
-              <a:t>5/22/25</a:t>
+              <a:t>5/27/25</a:t>
             </a:fld>
             <a:endParaRPr lang="ko-US"/>
           </a:p>
@@ -478,7 +478,7 @@
           <a:p>
             <a:fld id="{C215B344-0433-FF4F-B973-CB82BEC5B924}" type="datetimeFigureOut">
               <a:rPr lang="ko-US" smtClean="0"/>
-              <a:t>5/22/25</a:t>
+              <a:t>5/27/25</a:t>
             </a:fld>
             <a:endParaRPr lang="ko-US"/>
           </a:p>
@@ -688,7 +688,7 @@
           <a:p>
             <a:fld id="{C215B344-0433-FF4F-B973-CB82BEC5B924}" type="datetimeFigureOut">
               <a:rPr lang="ko-US" smtClean="0"/>
-              <a:t>5/22/25</a:t>
+              <a:t>5/27/25</a:t>
             </a:fld>
             <a:endParaRPr lang="ko-US"/>
           </a:p>
@@ -888,7 +888,7 @@
           <a:p>
             <a:fld id="{C215B344-0433-FF4F-B973-CB82BEC5B924}" type="datetimeFigureOut">
               <a:rPr lang="ko-US" smtClean="0"/>
-              <a:t>5/22/25</a:t>
+              <a:t>5/27/25</a:t>
             </a:fld>
             <a:endParaRPr lang="ko-US"/>
           </a:p>
@@ -1164,7 +1164,7 @@
           <a:p>
             <a:fld id="{C215B344-0433-FF4F-B973-CB82BEC5B924}" type="datetimeFigureOut">
               <a:rPr lang="ko-US" smtClean="0"/>
-              <a:t>5/22/25</a:t>
+              <a:t>5/27/25</a:t>
             </a:fld>
             <a:endParaRPr lang="ko-US"/>
           </a:p>
@@ -1432,7 +1432,7 @@
           <a:p>
             <a:fld id="{C215B344-0433-FF4F-B973-CB82BEC5B924}" type="datetimeFigureOut">
               <a:rPr lang="ko-US" smtClean="0"/>
-              <a:t>5/22/25</a:t>
+              <a:t>5/27/25</a:t>
             </a:fld>
             <a:endParaRPr lang="ko-US"/>
           </a:p>
@@ -1847,7 +1847,7 @@
           <a:p>
             <a:fld id="{C215B344-0433-FF4F-B973-CB82BEC5B924}" type="datetimeFigureOut">
               <a:rPr lang="ko-US" smtClean="0"/>
-              <a:t>5/22/25</a:t>
+              <a:t>5/27/25</a:t>
             </a:fld>
             <a:endParaRPr lang="ko-US"/>
           </a:p>
@@ -1989,7 +1989,7 @@
           <a:p>
             <a:fld id="{C215B344-0433-FF4F-B973-CB82BEC5B924}" type="datetimeFigureOut">
               <a:rPr lang="ko-US" smtClean="0"/>
-              <a:t>5/22/25</a:t>
+              <a:t>5/27/25</a:t>
             </a:fld>
             <a:endParaRPr lang="ko-US"/>
           </a:p>
@@ -2102,7 +2102,7 @@
           <a:p>
             <a:fld id="{C215B344-0433-FF4F-B973-CB82BEC5B924}" type="datetimeFigureOut">
               <a:rPr lang="ko-US" smtClean="0"/>
-              <a:t>5/22/25</a:t>
+              <a:t>5/27/25</a:t>
             </a:fld>
             <a:endParaRPr lang="ko-US"/>
           </a:p>
@@ -2415,7 +2415,7 @@
           <a:p>
             <a:fld id="{C215B344-0433-FF4F-B973-CB82BEC5B924}" type="datetimeFigureOut">
               <a:rPr lang="ko-US" smtClean="0"/>
-              <a:t>5/22/25</a:t>
+              <a:t>5/27/25</a:t>
             </a:fld>
             <a:endParaRPr lang="ko-US"/>
           </a:p>
@@ -2704,7 +2704,7 @@
           <a:p>
             <a:fld id="{C215B344-0433-FF4F-B973-CB82BEC5B924}" type="datetimeFigureOut">
               <a:rPr lang="ko-US" smtClean="0"/>
-              <a:t>5/22/25</a:t>
+              <a:t>5/27/25</a:t>
             </a:fld>
             <a:endParaRPr lang="ko-US"/>
           </a:p>
@@ -2947,7 +2947,7 @@
           <a:p>
             <a:fld id="{C215B344-0433-FF4F-B973-CB82BEC5B924}" type="datetimeFigureOut">
               <a:rPr lang="ko-US" smtClean="0"/>
-              <a:t>5/22/25</a:t>
+              <a:t>5/27/25</a:t>
             </a:fld>
             <a:endParaRPr lang="ko-US"/>
           </a:p>
@@ -11825,6 +11825,127 @@
           </a:p>
         </p:txBody>
       </p:sp>
+      <p:grpSp>
+        <p:nvGrpSpPr>
+          <p:cNvPr id="11" name="그룹 10">
+            <a:extLst>
+              <a:ext uri="{FF2B5EF4-FFF2-40B4-BE49-F238E27FC236}">
+                <a16:creationId xmlns:a16="http://schemas.microsoft.com/office/drawing/2014/main" id="{2D336CB1-5055-6EE2-42AA-68CC7AD16C71}"/>
+              </a:ext>
+            </a:extLst>
+          </p:cNvPr>
+          <p:cNvGrpSpPr/>
+          <p:nvPr/>
+        </p:nvGrpSpPr>
+        <p:grpSpPr>
+          <a:xfrm rot="18882072">
+            <a:off x="3021436" y="1371600"/>
+            <a:ext cx="2692908" cy="1888236"/>
+            <a:chOff x="2651760" y="1847088"/>
+            <a:chExt cx="2692908" cy="1888236"/>
+          </a:xfrm>
+        </p:grpSpPr>
+        <p:sp>
+          <p:nvSpPr>
+            <p:cNvPr id="15" name="직사각형 14">
+              <a:extLst>
+                <a:ext uri="{FF2B5EF4-FFF2-40B4-BE49-F238E27FC236}">
+                  <a16:creationId xmlns:a16="http://schemas.microsoft.com/office/drawing/2014/main" id="{F02C1EFC-D3CA-5ED5-27F3-E6DB33268B2D}"/>
+                </a:ext>
+              </a:extLst>
+            </p:cNvPr>
+            <p:cNvSpPr/>
+            <p:nvPr/>
+          </p:nvSpPr>
+          <p:spPr>
+            <a:xfrm>
+              <a:off x="2651760" y="1847088"/>
+              <a:ext cx="612648" cy="1316736"/>
+            </a:xfrm>
+            <a:prstGeom prst="rect">
+              <a:avLst/>
+            </a:prstGeom>
+            <a:solidFill>
+              <a:srgbClr val="00B050"/>
+            </a:solidFill>
+            <a:ln>
+              <a:noFill/>
+            </a:ln>
+          </p:spPr>
+          <p:style>
+            <a:lnRef idx="2">
+              <a:schemeClr val="dk1"/>
+            </a:lnRef>
+            <a:fillRef idx="1">
+              <a:schemeClr val="lt1"/>
+            </a:fillRef>
+            <a:effectRef idx="0">
+              <a:schemeClr val="dk1"/>
+            </a:effectRef>
+            <a:fontRef idx="minor">
+              <a:schemeClr val="dk1"/>
+            </a:fontRef>
+          </p:style>
+          <p:txBody>
+            <a:bodyPr rtlCol="0" anchor="ctr"/>
+            <a:lstStyle/>
+            <a:p>
+              <a:pPr algn="ctr"/>
+              <a:endParaRPr lang="ko-US"/>
+            </a:p>
+          </p:txBody>
+        </p:sp>
+        <p:sp>
+          <p:nvSpPr>
+            <p:cNvPr id="16" name="직사각형 15">
+              <a:extLst>
+                <a:ext uri="{FF2B5EF4-FFF2-40B4-BE49-F238E27FC236}">
+                  <a16:creationId xmlns:a16="http://schemas.microsoft.com/office/drawing/2014/main" id="{1AD166DF-5FBB-2D7F-4C29-B321DDCB4D84}"/>
+                </a:ext>
+              </a:extLst>
+            </p:cNvPr>
+            <p:cNvSpPr/>
+            <p:nvPr/>
+          </p:nvSpPr>
+          <p:spPr>
+            <a:xfrm rot="5400000">
+              <a:off x="3691890" y="2082546"/>
+              <a:ext cx="612648" cy="2692908"/>
+            </a:xfrm>
+            <a:prstGeom prst="rect">
+              <a:avLst/>
+            </a:prstGeom>
+            <a:solidFill>
+              <a:srgbClr val="00B050"/>
+            </a:solidFill>
+            <a:ln>
+              <a:noFill/>
+            </a:ln>
+          </p:spPr>
+          <p:style>
+            <a:lnRef idx="2">
+              <a:schemeClr val="dk1"/>
+            </a:lnRef>
+            <a:fillRef idx="1">
+              <a:schemeClr val="lt1"/>
+            </a:fillRef>
+            <a:effectRef idx="0">
+              <a:schemeClr val="dk1"/>
+            </a:effectRef>
+            <a:fontRef idx="minor">
+              <a:schemeClr val="dk1"/>
+            </a:fontRef>
+          </p:style>
+          <p:txBody>
+            <a:bodyPr rtlCol="0" anchor="ctr"/>
+            <a:lstStyle/>
+            <a:p>
+              <a:pPr algn="ctr"/>
+              <a:endParaRPr lang="ko-US"/>
+            </a:p>
+          </p:txBody>
+        </p:sp>
+      </p:grpSp>
     </p:spTree>
     <p:extLst>
       <p:ext uri="{BB962C8B-B14F-4D97-AF65-F5344CB8AC3E}">

--- a/uidesign.pptx
+++ b/uidesign.pptx
@@ -278,7 +278,7 @@
           <a:p>
             <a:fld id="{C215B344-0433-FF4F-B973-CB82BEC5B924}" type="datetimeFigureOut">
               <a:rPr lang="ko-US" smtClean="0"/>
-              <a:t>5/27/25</a:t>
+              <a:t>5/29/25</a:t>
             </a:fld>
             <a:endParaRPr lang="ko-US"/>
           </a:p>
@@ -478,7 +478,7 @@
           <a:p>
             <a:fld id="{C215B344-0433-FF4F-B973-CB82BEC5B924}" type="datetimeFigureOut">
               <a:rPr lang="ko-US" smtClean="0"/>
-              <a:t>5/27/25</a:t>
+              <a:t>5/29/25</a:t>
             </a:fld>
             <a:endParaRPr lang="ko-US"/>
           </a:p>
@@ -688,7 +688,7 @@
           <a:p>
             <a:fld id="{C215B344-0433-FF4F-B973-CB82BEC5B924}" type="datetimeFigureOut">
               <a:rPr lang="ko-US" smtClean="0"/>
-              <a:t>5/27/25</a:t>
+              <a:t>5/29/25</a:t>
             </a:fld>
             <a:endParaRPr lang="ko-US"/>
           </a:p>
@@ -888,7 +888,7 @@
           <a:p>
             <a:fld id="{C215B344-0433-FF4F-B973-CB82BEC5B924}" type="datetimeFigureOut">
               <a:rPr lang="ko-US" smtClean="0"/>
-              <a:t>5/27/25</a:t>
+              <a:t>5/29/25</a:t>
             </a:fld>
             <a:endParaRPr lang="ko-US"/>
           </a:p>
@@ -1164,7 +1164,7 @@
           <a:p>
             <a:fld id="{C215B344-0433-FF4F-B973-CB82BEC5B924}" type="datetimeFigureOut">
               <a:rPr lang="ko-US" smtClean="0"/>
-              <a:t>5/27/25</a:t>
+              <a:t>5/29/25</a:t>
             </a:fld>
             <a:endParaRPr lang="ko-US"/>
           </a:p>
@@ -1432,7 +1432,7 @@
           <a:p>
             <a:fld id="{C215B344-0433-FF4F-B973-CB82BEC5B924}" type="datetimeFigureOut">
               <a:rPr lang="ko-US" smtClean="0"/>
-              <a:t>5/27/25</a:t>
+              <a:t>5/29/25</a:t>
             </a:fld>
             <a:endParaRPr lang="ko-US"/>
           </a:p>
@@ -1847,7 +1847,7 @@
           <a:p>
             <a:fld id="{C215B344-0433-FF4F-B973-CB82BEC5B924}" type="datetimeFigureOut">
               <a:rPr lang="ko-US" smtClean="0"/>
-              <a:t>5/27/25</a:t>
+              <a:t>5/29/25</a:t>
             </a:fld>
             <a:endParaRPr lang="ko-US"/>
           </a:p>
@@ -1989,7 +1989,7 @@
           <a:p>
             <a:fld id="{C215B344-0433-FF4F-B973-CB82BEC5B924}" type="datetimeFigureOut">
               <a:rPr lang="ko-US" smtClean="0"/>
-              <a:t>5/27/25</a:t>
+              <a:t>5/29/25</a:t>
             </a:fld>
             <a:endParaRPr lang="ko-US"/>
           </a:p>
@@ -2102,7 +2102,7 @@
           <a:p>
             <a:fld id="{C215B344-0433-FF4F-B973-CB82BEC5B924}" type="datetimeFigureOut">
               <a:rPr lang="ko-US" smtClean="0"/>
-              <a:t>5/27/25</a:t>
+              <a:t>5/29/25</a:t>
             </a:fld>
             <a:endParaRPr lang="ko-US"/>
           </a:p>
@@ -2415,7 +2415,7 @@
           <a:p>
             <a:fld id="{C215B344-0433-FF4F-B973-CB82BEC5B924}" type="datetimeFigureOut">
               <a:rPr lang="ko-US" smtClean="0"/>
-              <a:t>5/27/25</a:t>
+              <a:t>5/29/25</a:t>
             </a:fld>
             <a:endParaRPr lang="ko-US"/>
           </a:p>
@@ -2704,7 +2704,7 @@
           <a:p>
             <a:fld id="{C215B344-0433-FF4F-B973-CB82BEC5B924}" type="datetimeFigureOut">
               <a:rPr lang="ko-US" smtClean="0"/>
-              <a:t>5/27/25</a:t>
+              <a:t>5/29/25</a:t>
             </a:fld>
             <a:endParaRPr lang="ko-US"/>
           </a:p>
@@ -2947,7 +2947,7 @@
           <a:p>
             <a:fld id="{C215B344-0433-FF4F-B973-CB82BEC5B924}" type="datetimeFigureOut">
               <a:rPr lang="ko-US" smtClean="0"/>
-              <a:t>5/27/25</a:t>
+              <a:t>5/29/25</a:t>
             </a:fld>
             <a:endParaRPr lang="ko-US"/>
           </a:p>
@@ -6230,6 +6230,611 @@
           </p:txBody>
         </p:sp>
       </p:grpSp>
+      <p:grpSp>
+        <p:nvGrpSpPr>
+          <p:cNvPr id="24" name="그룹 23">
+            <a:extLst>
+              <a:ext uri="{FF2B5EF4-FFF2-40B4-BE49-F238E27FC236}">
+                <a16:creationId xmlns:a16="http://schemas.microsoft.com/office/drawing/2014/main" id="{4E256851-069F-CB4B-3CD6-CC2A7F7C0800}"/>
+              </a:ext>
+            </a:extLst>
+          </p:cNvPr>
+          <p:cNvGrpSpPr/>
+          <p:nvPr/>
+        </p:nvGrpSpPr>
+        <p:grpSpPr>
+          <a:xfrm rot="18882072">
+            <a:off x="4284466" y="824508"/>
+            <a:ext cx="418070" cy="293146"/>
+            <a:chOff x="2651760" y="1847088"/>
+            <a:chExt cx="2692908" cy="1888236"/>
+          </a:xfrm>
+        </p:grpSpPr>
+        <p:sp>
+          <p:nvSpPr>
+            <p:cNvPr id="25" name="직사각형 24">
+              <a:extLst>
+                <a:ext uri="{FF2B5EF4-FFF2-40B4-BE49-F238E27FC236}">
+                  <a16:creationId xmlns:a16="http://schemas.microsoft.com/office/drawing/2014/main" id="{E34331C5-728E-0D0B-752B-BF45E5976BFE}"/>
+                </a:ext>
+              </a:extLst>
+            </p:cNvPr>
+            <p:cNvSpPr/>
+            <p:nvPr/>
+          </p:nvSpPr>
+          <p:spPr>
+            <a:xfrm>
+              <a:off x="2651760" y="1847088"/>
+              <a:ext cx="612648" cy="1316736"/>
+            </a:xfrm>
+            <a:prstGeom prst="rect">
+              <a:avLst/>
+            </a:prstGeom>
+            <a:solidFill>
+              <a:srgbClr val="00B050"/>
+            </a:solidFill>
+            <a:ln>
+              <a:noFill/>
+            </a:ln>
+          </p:spPr>
+          <p:style>
+            <a:lnRef idx="2">
+              <a:schemeClr val="dk1"/>
+            </a:lnRef>
+            <a:fillRef idx="1">
+              <a:schemeClr val="lt1"/>
+            </a:fillRef>
+            <a:effectRef idx="0">
+              <a:schemeClr val="dk1"/>
+            </a:effectRef>
+            <a:fontRef idx="minor">
+              <a:schemeClr val="dk1"/>
+            </a:fontRef>
+          </p:style>
+          <p:txBody>
+            <a:bodyPr rtlCol="0" anchor="ctr"/>
+            <a:lstStyle/>
+            <a:p>
+              <a:pPr algn="ctr"/>
+              <a:endParaRPr lang="ko-US"/>
+            </a:p>
+          </p:txBody>
+        </p:sp>
+        <p:sp>
+          <p:nvSpPr>
+            <p:cNvPr id="26" name="직사각형 25">
+              <a:extLst>
+                <a:ext uri="{FF2B5EF4-FFF2-40B4-BE49-F238E27FC236}">
+                  <a16:creationId xmlns:a16="http://schemas.microsoft.com/office/drawing/2014/main" id="{2AA8E099-A916-4BEA-A7D3-800F2350EAB9}"/>
+                </a:ext>
+              </a:extLst>
+            </p:cNvPr>
+            <p:cNvSpPr/>
+            <p:nvPr/>
+          </p:nvSpPr>
+          <p:spPr>
+            <a:xfrm rot="5400000">
+              <a:off x="3691890" y="2082546"/>
+              <a:ext cx="612648" cy="2692908"/>
+            </a:xfrm>
+            <a:prstGeom prst="rect">
+              <a:avLst/>
+            </a:prstGeom>
+            <a:solidFill>
+              <a:srgbClr val="00B050"/>
+            </a:solidFill>
+            <a:ln>
+              <a:noFill/>
+            </a:ln>
+          </p:spPr>
+          <p:style>
+            <a:lnRef idx="2">
+              <a:schemeClr val="dk1"/>
+            </a:lnRef>
+            <a:fillRef idx="1">
+              <a:schemeClr val="lt1"/>
+            </a:fillRef>
+            <a:effectRef idx="0">
+              <a:schemeClr val="dk1"/>
+            </a:effectRef>
+            <a:fontRef idx="minor">
+              <a:schemeClr val="dk1"/>
+            </a:fontRef>
+          </p:style>
+          <p:txBody>
+            <a:bodyPr rtlCol="0" anchor="ctr"/>
+            <a:lstStyle/>
+            <a:p>
+              <a:pPr algn="ctr"/>
+              <a:endParaRPr lang="ko-US"/>
+            </a:p>
+          </p:txBody>
+        </p:sp>
+      </p:grpSp>
+      <p:grpSp>
+        <p:nvGrpSpPr>
+          <p:cNvPr id="27" name="그룹 26">
+            <a:extLst>
+              <a:ext uri="{FF2B5EF4-FFF2-40B4-BE49-F238E27FC236}">
+                <a16:creationId xmlns:a16="http://schemas.microsoft.com/office/drawing/2014/main" id="{A07DDD46-A4BA-FFD1-FD07-972A01701E0D}"/>
+              </a:ext>
+            </a:extLst>
+          </p:cNvPr>
+          <p:cNvGrpSpPr/>
+          <p:nvPr/>
+        </p:nvGrpSpPr>
+        <p:grpSpPr>
+          <a:xfrm rot="18882072">
+            <a:off x="1546434" y="4530333"/>
+            <a:ext cx="418070" cy="293146"/>
+            <a:chOff x="2651760" y="1847088"/>
+            <a:chExt cx="2692908" cy="1888236"/>
+          </a:xfrm>
+        </p:grpSpPr>
+        <p:sp>
+          <p:nvSpPr>
+            <p:cNvPr id="32" name="직사각형 31">
+              <a:extLst>
+                <a:ext uri="{FF2B5EF4-FFF2-40B4-BE49-F238E27FC236}">
+                  <a16:creationId xmlns:a16="http://schemas.microsoft.com/office/drawing/2014/main" id="{55573D4B-E0ED-FDDB-6EAF-4043A9FD68F3}"/>
+                </a:ext>
+              </a:extLst>
+            </p:cNvPr>
+            <p:cNvSpPr/>
+            <p:nvPr/>
+          </p:nvSpPr>
+          <p:spPr>
+            <a:xfrm>
+              <a:off x="2651760" y="1847088"/>
+              <a:ext cx="612648" cy="1316736"/>
+            </a:xfrm>
+            <a:prstGeom prst="rect">
+              <a:avLst/>
+            </a:prstGeom>
+            <a:solidFill>
+              <a:srgbClr val="00B050"/>
+            </a:solidFill>
+            <a:ln>
+              <a:noFill/>
+            </a:ln>
+          </p:spPr>
+          <p:style>
+            <a:lnRef idx="2">
+              <a:schemeClr val="dk1"/>
+            </a:lnRef>
+            <a:fillRef idx="1">
+              <a:schemeClr val="lt1"/>
+            </a:fillRef>
+            <a:effectRef idx="0">
+              <a:schemeClr val="dk1"/>
+            </a:effectRef>
+            <a:fontRef idx="minor">
+              <a:schemeClr val="dk1"/>
+            </a:fontRef>
+          </p:style>
+          <p:txBody>
+            <a:bodyPr rtlCol="0" anchor="ctr"/>
+            <a:lstStyle/>
+            <a:p>
+              <a:pPr algn="ctr"/>
+              <a:endParaRPr lang="ko-US"/>
+            </a:p>
+          </p:txBody>
+        </p:sp>
+        <p:sp>
+          <p:nvSpPr>
+            <p:cNvPr id="33" name="직사각형 32">
+              <a:extLst>
+                <a:ext uri="{FF2B5EF4-FFF2-40B4-BE49-F238E27FC236}">
+                  <a16:creationId xmlns:a16="http://schemas.microsoft.com/office/drawing/2014/main" id="{FF61DD66-5E13-5D1E-4202-DF68C3BDC8AB}"/>
+                </a:ext>
+              </a:extLst>
+            </p:cNvPr>
+            <p:cNvSpPr/>
+            <p:nvPr/>
+          </p:nvSpPr>
+          <p:spPr>
+            <a:xfrm rot="5400000">
+              <a:off x="3691890" y="2082546"/>
+              <a:ext cx="612648" cy="2692908"/>
+            </a:xfrm>
+            <a:prstGeom prst="rect">
+              <a:avLst/>
+            </a:prstGeom>
+            <a:solidFill>
+              <a:srgbClr val="00B050"/>
+            </a:solidFill>
+            <a:ln>
+              <a:noFill/>
+            </a:ln>
+          </p:spPr>
+          <p:style>
+            <a:lnRef idx="2">
+              <a:schemeClr val="dk1"/>
+            </a:lnRef>
+            <a:fillRef idx="1">
+              <a:schemeClr val="lt1"/>
+            </a:fillRef>
+            <a:effectRef idx="0">
+              <a:schemeClr val="dk1"/>
+            </a:effectRef>
+            <a:fontRef idx="minor">
+              <a:schemeClr val="dk1"/>
+            </a:fontRef>
+          </p:style>
+          <p:txBody>
+            <a:bodyPr rtlCol="0" anchor="ctr"/>
+            <a:lstStyle/>
+            <a:p>
+              <a:pPr algn="ctr"/>
+              <a:endParaRPr lang="ko-US"/>
+            </a:p>
+          </p:txBody>
+        </p:sp>
+      </p:grpSp>
+      <p:grpSp>
+        <p:nvGrpSpPr>
+          <p:cNvPr id="34" name="그룹 33">
+            <a:extLst>
+              <a:ext uri="{FF2B5EF4-FFF2-40B4-BE49-F238E27FC236}">
+                <a16:creationId xmlns:a16="http://schemas.microsoft.com/office/drawing/2014/main" id="{5D59C493-F1A0-B1EA-E1EF-74429269BEF9}"/>
+              </a:ext>
+            </a:extLst>
+          </p:cNvPr>
+          <p:cNvGrpSpPr/>
+          <p:nvPr/>
+        </p:nvGrpSpPr>
+        <p:grpSpPr>
+          <a:xfrm rot="18882072">
+            <a:off x="1354951" y="5342188"/>
+            <a:ext cx="418070" cy="293146"/>
+            <a:chOff x="2651760" y="1847088"/>
+            <a:chExt cx="2692908" cy="1888236"/>
+          </a:xfrm>
+        </p:grpSpPr>
+        <p:sp>
+          <p:nvSpPr>
+            <p:cNvPr id="35" name="직사각형 34">
+              <a:extLst>
+                <a:ext uri="{FF2B5EF4-FFF2-40B4-BE49-F238E27FC236}">
+                  <a16:creationId xmlns:a16="http://schemas.microsoft.com/office/drawing/2014/main" id="{52C387BA-64A0-387D-6295-4DFA2B04E900}"/>
+                </a:ext>
+              </a:extLst>
+            </p:cNvPr>
+            <p:cNvSpPr/>
+            <p:nvPr/>
+          </p:nvSpPr>
+          <p:spPr>
+            <a:xfrm>
+              <a:off x="2651760" y="1847088"/>
+              <a:ext cx="612648" cy="1316736"/>
+            </a:xfrm>
+            <a:prstGeom prst="rect">
+              <a:avLst/>
+            </a:prstGeom>
+            <a:solidFill>
+              <a:srgbClr val="00B050"/>
+            </a:solidFill>
+            <a:ln>
+              <a:noFill/>
+            </a:ln>
+          </p:spPr>
+          <p:style>
+            <a:lnRef idx="2">
+              <a:schemeClr val="dk1"/>
+            </a:lnRef>
+            <a:fillRef idx="1">
+              <a:schemeClr val="lt1"/>
+            </a:fillRef>
+            <a:effectRef idx="0">
+              <a:schemeClr val="dk1"/>
+            </a:effectRef>
+            <a:fontRef idx="minor">
+              <a:schemeClr val="dk1"/>
+            </a:fontRef>
+          </p:style>
+          <p:txBody>
+            <a:bodyPr rtlCol="0" anchor="ctr"/>
+            <a:lstStyle/>
+            <a:p>
+              <a:pPr algn="ctr"/>
+              <a:endParaRPr lang="ko-US"/>
+            </a:p>
+          </p:txBody>
+        </p:sp>
+        <p:sp>
+          <p:nvSpPr>
+            <p:cNvPr id="42" name="직사각형 41">
+              <a:extLst>
+                <a:ext uri="{FF2B5EF4-FFF2-40B4-BE49-F238E27FC236}">
+                  <a16:creationId xmlns:a16="http://schemas.microsoft.com/office/drawing/2014/main" id="{C7CA6B9D-3340-4946-35E4-F27F550A9F03}"/>
+                </a:ext>
+              </a:extLst>
+            </p:cNvPr>
+            <p:cNvSpPr/>
+            <p:nvPr/>
+          </p:nvSpPr>
+          <p:spPr>
+            <a:xfrm rot="5400000">
+              <a:off x="3691890" y="2082546"/>
+              <a:ext cx="612648" cy="2692908"/>
+            </a:xfrm>
+            <a:prstGeom prst="rect">
+              <a:avLst/>
+            </a:prstGeom>
+            <a:solidFill>
+              <a:srgbClr val="00B050"/>
+            </a:solidFill>
+            <a:ln>
+              <a:noFill/>
+            </a:ln>
+          </p:spPr>
+          <p:style>
+            <a:lnRef idx="2">
+              <a:schemeClr val="dk1"/>
+            </a:lnRef>
+            <a:fillRef idx="1">
+              <a:schemeClr val="lt1"/>
+            </a:fillRef>
+            <a:effectRef idx="0">
+              <a:schemeClr val="dk1"/>
+            </a:effectRef>
+            <a:fontRef idx="minor">
+              <a:schemeClr val="dk1"/>
+            </a:fontRef>
+          </p:style>
+          <p:txBody>
+            <a:bodyPr rtlCol="0" anchor="ctr"/>
+            <a:lstStyle/>
+            <a:p>
+              <a:pPr algn="ctr"/>
+              <a:endParaRPr lang="ko-US"/>
+            </a:p>
+          </p:txBody>
+        </p:sp>
+      </p:grpSp>
+      <p:grpSp>
+        <p:nvGrpSpPr>
+          <p:cNvPr id="45" name="그룹 44">
+            <a:extLst>
+              <a:ext uri="{FF2B5EF4-FFF2-40B4-BE49-F238E27FC236}">
+                <a16:creationId xmlns:a16="http://schemas.microsoft.com/office/drawing/2014/main" id="{59093C99-0724-99B7-1C22-040AD4E0CB7D}"/>
+              </a:ext>
+            </a:extLst>
+          </p:cNvPr>
+          <p:cNvGrpSpPr/>
+          <p:nvPr/>
+        </p:nvGrpSpPr>
+        <p:grpSpPr>
+          <a:xfrm rot="18882072">
+            <a:off x="4019827" y="5830338"/>
+            <a:ext cx="418070" cy="293146"/>
+            <a:chOff x="2651760" y="1847088"/>
+            <a:chExt cx="2692908" cy="1888236"/>
+          </a:xfrm>
+        </p:grpSpPr>
+        <p:sp>
+          <p:nvSpPr>
+            <p:cNvPr id="47" name="직사각형 46">
+              <a:extLst>
+                <a:ext uri="{FF2B5EF4-FFF2-40B4-BE49-F238E27FC236}">
+                  <a16:creationId xmlns:a16="http://schemas.microsoft.com/office/drawing/2014/main" id="{9FDD5942-CDA8-A0F6-5A06-05068F0EC2CA}"/>
+                </a:ext>
+              </a:extLst>
+            </p:cNvPr>
+            <p:cNvSpPr/>
+            <p:nvPr/>
+          </p:nvSpPr>
+          <p:spPr>
+            <a:xfrm>
+              <a:off x="2651760" y="1847088"/>
+              <a:ext cx="612648" cy="1316736"/>
+            </a:xfrm>
+            <a:prstGeom prst="rect">
+              <a:avLst/>
+            </a:prstGeom>
+            <a:solidFill>
+              <a:srgbClr val="00B050"/>
+            </a:solidFill>
+            <a:ln>
+              <a:noFill/>
+            </a:ln>
+          </p:spPr>
+          <p:style>
+            <a:lnRef idx="2">
+              <a:schemeClr val="dk1"/>
+            </a:lnRef>
+            <a:fillRef idx="1">
+              <a:schemeClr val="lt1"/>
+            </a:fillRef>
+            <a:effectRef idx="0">
+              <a:schemeClr val="dk1"/>
+            </a:effectRef>
+            <a:fontRef idx="minor">
+              <a:schemeClr val="dk1"/>
+            </a:fontRef>
+          </p:style>
+          <p:txBody>
+            <a:bodyPr rtlCol="0" anchor="ctr"/>
+            <a:lstStyle/>
+            <a:p>
+              <a:pPr algn="ctr"/>
+              <a:endParaRPr lang="ko-US"/>
+            </a:p>
+          </p:txBody>
+        </p:sp>
+        <p:sp>
+          <p:nvSpPr>
+            <p:cNvPr id="50" name="직사각형 49">
+              <a:extLst>
+                <a:ext uri="{FF2B5EF4-FFF2-40B4-BE49-F238E27FC236}">
+                  <a16:creationId xmlns:a16="http://schemas.microsoft.com/office/drawing/2014/main" id="{86EF0BA6-9BAE-DE5F-8125-6003ACE48466}"/>
+                </a:ext>
+              </a:extLst>
+            </p:cNvPr>
+            <p:cNvSpPr/>
+            <p:nvPr/>
+          </p:nvSpPr>
+          <p:spPr>
+            <a:xfrm rot="5400000">
+              <a:off x="3691890" y="2082546"/>
+              <a:ext cx="612648" cy="2692908"/>
+            </a:xfrm>
+            <a:prstGeom prst="rect">
+              <a:avLst/>
+            </a:prstGeom>
+            <a:solidFill>
+              <a:srgbClr val="00B050"/>
+            </a:solidFill>
+            <a:ln>
+              <a:noFill/>
+            </a:ln>
+          </p:spPr>
+          <p:style>
+            <a:lnRef idx="2">
+              <a:schemeClr val="dk1"/>
+            </a:lnRef>
+            <a:fillRef idx="1">
+              <a:schemeClr val="lt1"/>
+            </a:fillRef>
+            <a:effectRef idx="0">
+              <a:schemeClr val="dk1"/>
+            </a:effectRef>
+            <a:fontRef idx="minor">
+              <a:schemeClr val="dk1"/>
+            </a:fontRef>
+          </p:style>
+          <p:txBody>
+            <a:bodyPr rtlCol="0" anchor="ctr"/>
+            <a:lstStyle/>
+            <a:p>
+              <a:pPr algn="ctr"/>
+              <a:endParaRPr lang="ko-US"/>
+            </a:p>
+          </p:txBody>
+        </p:sp>
+      </p:grpSp>
+      <p:grpSp>
+        <p:nvGrpSpPr>
+          <p:cNvPr id="51" name="그룹 50">
+            <a:extLst>
+              <a:ext uri="{FF2B5EF4-FFF2-40B4-BE49-F238E27FC236}">
+                <a16:creationId xmlns:a16="http://schemas.microsoft.com/office/drawing/2014/main" id="{76A4CE93-EF53-9199-A0DB-5BD8AC869877}"/>
+              </a:ext>
+            </a:extLst>
+          </p:cNvPr>
+          <p:cNvGrpSpPr/>
+          <p:nvPr/>
+        </p:nvGrpSpPr>
+        <p:grpSpPr>
+          <a:xfrm rot="18882072">
+            <a:off x="7736163" y="5827909"/>
+            <a:ext cx="418070" cy="293146"/>
+            <a:chOff x="2651760" y="1847088"/>
+            <a:chExt cx="2692908" cy="1888236"/>
+          </a:xfrm>
+        </p:grpSpPr>
+        <p:sp>
+          <p:nvSpPr>
+            <p:cNvPr id="52" name="직사각형 51">
+              <a:extLst>
+                <a:ext uri="{FF2B5EF4-FFF2-40B4-BE49-F238E27FC236}">
+                  <a16:creationId xmlns:a16="http://schemas.microsoft.com/office/drawing/2014/main" id="{75E34E77-BE13-5EDC-235C-A2F5E18A458D}"/>
+                </a:ext>
+              </a:extLst>
+            </p:cNvPr>
+            <p:cNvSpPr/>
+            <p:nvPr/>
+          </p:nvSpPr>
+          <p:spPr>
+            <a:xfrm>
+              <a:off x="2651760" y="1847088"/>
+              <a:ext cx="612648" cy="1316736"/>
+            </a:xfrm>
+            <a:prstGeom prst="rect">
+              <a:avLst/>
+            </a:prstGeom>
+            <a:solidFill>
+              <a:srgbClr val="00B050"/>
+            </a:solidFill>
+            <a:ln>
+              <a:noFill/>
+            </a:ln>
+          </p:spPr>
+          <p:style>
+            <a:lnRef idx="2">
+              <a:schemeClr val="dk1"/>
+            </a:lnRef>
+            <a:fillRef idx="1">
+              <a:schemeClr val="lt1"/>
+            </a:fillRef>
+            <a:effectRef idx="0">
+              <a:schemeClr val="dk1"/>
+            </a:effectRef>
+            <a:fontRef idx="minor">
+              <a:schemeClr val="dk1"/>
+            </a:fontRef>
+          </p:style>
+          <p:txBody>
+            <a:bodyPr rtlCol="0" anchor="ctr"/>
+            <a:lstStyle/>
+            <a:p>
+              <a:pPr algn="ctr"/>
+              <a:endParaRPr lang="ko-US"/>
+            </a:p>
+          </p:txBody>
+        </p:sp>
+        <p:sp>
+          <p:nvSpPr>
+            <p:cNvPr id="53" name="직사각형 52">
+              <a:extLst>
+                <a:ext uri="{FF2B5EF4-FFF2-40B4-BE49-F238E27FC236}">
+                  <a16:creationId xmlns:a16="http://schemas.microsoft.com/office/drawing/2014/main" id="{6CD00114-E150-FB2B-5AC3-5D7AAEB52DD2}"/>
+                </a:ext>
+              </a:extLst>
+            </p:cNvPr>
+            <p:cNvSpPr/>
+            <p:nvPr/>
+          </p:nvSpPr>
+          <p:spPr>
+            <a:xfrm rot="5400000">
+              <a:off x="3691890" y="2082546"/>
+              <a:ext cx="612648" cy="2692908"/>
+            </a:xfrm>
+            <a:prstGeom prst="rect">
+              <a:avLst/>
+            </a:prstGeom>
+            <a:solidFill>
+              <a:srgbClr val="00B050"/>
+            </a:solidFill>
+            <a:ln>
+              <a:noFill/>
+            </a:ln>
+          </p:spPr>
+          <p:style>
+            <a:lnRef idx="2">
+              <a:schemeClr val="dk1"/>
+            </a:lnRef>
+            <a:fillRef idx="1">
+              <a:schemeClr val="lt1"/>
+            </a:fillRef>
+            <a:effectRef idx="0">
+              <a:schemeClr val="dk1"/>
+            </a:effectRef>
+            <a:fontRef idx="minor">
+              <a:schemeClr val="dk1"/>
+            </a:fontRef>
+          </p:style>
+          <p:txBody>
+            <a:bodyPr rtlCol="0" anchor="ctr"/>
+            <a:lstStyle/>
+            <a:p>
+              <a:pPr algn="ctr"/>
+              <a:endParaRPr lang="ko-US"/>
+            </a:p>
+          </p:txBody>
+        </p:sp>
+      </p:grpSp>
     </p:spTree>
     <p:extLst>
       <p:ext uri="{BB962C8B-B14F-4D97-AF65-F5344CB8AC3E}">
@@ -13534,6 +14139,127 @@
           </a:p>
         </p:txBody>
       </p:sp>
+      <p:grpSp>
+        <p:nvGrpSpPr>
+          <p:cNvPr id="9" name="그룹 8">
+            <a:extLst>
+              <a:ext uri="{FF2B5EF4-FFF2-40B4-BE49-F238E27FC236}">
+                <a16:creationId xmlns:a16="http://schemas.microsoft.com/office/drawing/2014/main" id="{15CC5C4C-9A83-DD3A-2EC5-5083EE82E4D5}"/>
+              </a:ext>
+            </a:extLst>
+          </p:cNvPr>
+          <p:cNvGrpSpPr/>
+          <p:nvPr/>
+        </p:nvGrpSpPr>
+        <p:grpSpPr>
+          <a:xfrm rot="18882072">
+            <a:off x="3021436" y="1371600"/>
+            <a:ext cx="2692908" cy="1888236"/>
+            <a:chOff x="2651760" y="1847088"/>
+            <a:chExt cx="2692908" cy="1888236"/>
+          </a:xfrm>
+        </p:grpSpPr>
+        <p:sp>
+          <p:nvSpPr>
+            <p:cNvPr id="11" name="직사각형 10">
+              <a:extLst>
+                <a:ext uri="{FF2B5EF4-FFF2-40B4-BE49-F238E27FC236}">
+                  <a16:creationId xmlns:a16="http://schemas.microsoft.com/office/drawing/2014/main" id="{B37560F8-A3F5-F584-E0FD-C9E4146CC4D4}"/>
+                </a:ext>
+              </a:extLst>
+            </p:cNvPr>
+            <p:cNvSpPr/>
+            <p:nvPr/>
+          </p:nvSpPr>
+          <p:spPr>
+            <a:xfrm>
+              <a:off x="2651760" y="1847088"/>
+              <a:ext cx="612648" cy="1316736"/>
+            </a:xfrm>
+            <a:prstGeom prst="rect">
+              <a:avLst/>
+            </a:prstGeom>
+            <a:solidFill>
+              <a:srgbClr val="00B050"/>
+            </a:solidFill>
+            <a:ln>
+              <a:noFill/>
+            </a:ln>
+          </p:spPr>
+          <p:style>
+            <a:lnRef idx="2">
+              <a:schemeClr val="dk1"/>
+            </a:lnRef>
+            <a:fillRef idx="1">
+              <a:schemeClr val="lt1"/>
+            </a:fillRef>
+            <a:effectRef idx="0">
+              <a:schemeClr val="dk1"/>
+            </a:effectRef>
+            <a:fontRef idx="minor">
+              <a:schemeClr val="dk1"/>
+            </a:fontRef>
+          </p:style>
+          <p:txBody>
+            <a:bodyPr rtlCol="0" anchor="ctr"/>
+            <a:lstStyle/>
+            <a:p>
+              <a:pPr algn="ctr"/>
+              <a:endParaRPr lang="ko-US"/>
+            </a:p>
+          </p:txBody>
+        </p:sp>
+        <p:sp>
+          <p:nvSpPr>
+            <p:cNvPr id="15" name="직사각형 14">
+              <a:extLst>
+                <a:ext uri="{FF2B5EF4-FFF2-40B4-BE49-F238E27FC236}">
+                  <a16:creationId xmlns:a16="http://schemas.microsoft.com/office/drawing/2014/main" id="{CC57020B-64C4-A41D-BFC8-49CD52A128FE}"/>
+                </a:ext>
+              </a:extLst>
+            </p:cNvPr>
+            <p:cNvSpPr/>
+            <p:nvPr/>
+          </p:nvSpPr>
+          <p:spPr>
+            <a:xfrm rot="5400000">
+              <a:off x="3691890" y="2082546"/>
+              <a:ext cx="612648" cy="2692908"/>
+            </a:xfrm>
+            <a:prstGeom prst="rect">
+              <a:avLst/>
+            </a:prstGeom>
+            <a:solidFill>
+              <a:srgbClr val="00B050"/>
+            </a:solidFill>
+            <a:ln>
+              <a:noFill/>
+            </a:ln>
+          </p:spPr>
+          <p:style>
+            <a:lnRef idx="2">
+              <a:schemeClr val="dk1"/>
+            </a:lnRef>
+            <a:fillRef idx="1">
+              <a:schemeClr val="lt1"/>
+            </a:fillRef>
+            <a:effectRef idx="0">
+              <a:schemeClr val="dk1"/>
+            </a:effectRef>
+            <a:fontRef idx="minor">
+              <a:schemeClr val="dk1"/>
+            </a:fontRef>
+          </p:style>
+          <p:txBody>
+            <a:bodyPr rtlCol="0" anchor="ctr"/>
+            <a:lstStyle/>
+            <a:p>
+              <a:pPr algn="ctr"/>
+              <a:endParaRPr lang="ko-US"/>
+            </a:p>
+          </p:txBody>
+        </p:sp>
+      </p:grpSp>
     </p:spTree>
     <p:extLst>
       <p:ext uri="{BB962C8B-B14F-4D97-AF65-F5344CB8AC3E}">
@@ -13733,9 +14459,9 @@
         <p:grpSpPr>
           <a:xfrm>
             <a:off x="2564523" y="2039007"/>
-            <a:ext cx="7252138" cy="369332"/>
+            <a:ext cx="6828858" cy="369332"/>
             <a:chOff x="2564523" y="2039007"/>
-            <a:chExt cx="7252138" cy="369332"/>
+            <a:chExt cx="6828858" cy="369332"/>
           </a:xfrm>
         </p:grpSpPr>
         <p:sp>
@@ -13789,7 +14515,7 @@
           <p:spPr>
             <a:xfrm>
               <a:off x="4813736" y="2059449"/>
-              <a:ext cx="5002925" cy="328448"/>
+              <a:ext cx="4579645" cy="328448"/>
             </a:xfrm>
             <a:prstGeom prst="rect">
               <a:avLst/>
@@ -13837,9 +14563,9 @@
         <p:grpSpPr>
           <a:xfrm>
             <a:off x="2564523" y="2598839"/>
-            <a:ext cx="7252138" cy="369332"/>
+            <a:ext cx="6828858" cy="369332"/>
             <a:chOff x="2564523" y="2039007"/>
-            <a:chExt cx="7252138" cy="369332"/>
+            <a:chExt cx="6828858" cy="369332"/>
           </a:xfrm>
         </p:grpSpPr>
         <p:sp>
@@ -13893,7 +14619,7 @@
           <p:spPr>
             <a:xfrm>
               <a:off x="4813736" y="2059449"/>
-              <a:ext cx="5002925" cy="328448"/>
+              <a:ext cx="4579645" cy="328448"/>
             </a:xfrm>
             <a:prstGeom prst="rect">
               <a:avLst/>
@@ -13941,9 +14667,9 @@
         <p:grpSpPr>
           <a:xfrm>
             <a:off x="2564523" y="3158671"/>
-            <a:ext cx="7252138" cy="369332"/>
+            <a:ext cx="6828858" cy="369332"/>
             <a:chOff x="2564523" y="2039007"/>
-            <a:chExt cx="7252138" cy="369332"/>
+            <a:chExt cx="6828858" cy="369332"/>
           </a:xfrm>
         </p:grpSpPr>
         <p:sp>
@@ -13997,7 +14723,7 @@
           <p:spPr>
             <a:xfrm>
               <a:off x="4813736" y="2059449"/>
-              <a:ext cx="5002925" cy="328448"/>
+              <a:ext cx="4579645" cy="328448"/>
             </a:xfrm>
             <a:prstGeom prst="rect">
               <a:avLst/>
@@ -14093,9 +14819,9 @@
         <p:grpSpPr>
           <a:xfrm>
             <a:off x="2564523" y="3759387"/>
-            <a:ext cx="7252138" cy="369332"/>
+            <a:ext cx="6828858" cy="369332"/>
             <a:chOff x="2564523" y="2039007"/>
-            <a:chExt cx="7252138" cy="369332"/>
+            <a:chExt cx="6828858" cy="369332"/>
           </a:xfrm>
         </p:grpSpPr>
         <p:sp>
@@ -14149,7 +14875,7 @@
           <p:spPr>
             <a:xfrm>
               <a:off x="4813736" y="2059449"/>
-              <a:ext cx="5002925" cy="328448"/>
+              <a:ext cx="4579645" cy="328448"/>
             </a:xfrm>
             <a:prstGeom prst="rect">
               <a:avLst/>
@@ -14178,6 +14904,319 @@
                 <a:t>1</a:t>
               </a:r>
               <a:endParaRPr lang="ko-US" dirty="0"/>
+            </a:p>
+          </p:txBody>
+        </p:sp>
+      </p:grpSp>
+      <p:sp>
+        <p:nvSpPr>
+          <p:cNvPr id="10" name="직사각형 9">
+            <a:extLst>
+              <a:ext uri="{FF2B5EF4-FFF2-40B4-BE49-F238E27FC236}">
+                <a16:creationId xmlns:a16="http://schemas.microsoft.com/office/drawing/2014/main" id="{2EC1255A-ADAC-D61C-E0DB-1AEBC1267685}"/>
+              </a:ext>
+            </a:extLst>
+          </p:cNvPr>
+          <p:cNvSpPr/>
+          <p:nvPr/>
+        </p:nvSpPr>
+        <p:spPr>
+          <a:xfrm>
+            <a:off x="9485745" y="2059449"/>
+            <a:ext cx="330916" cy="348890"/>
+          </a:xfrm>
+          <a:prstGeom prst="rect">
+            <a:avLst/>
+          </a:prstGeom>
+        </p:spPr>
+        <p:style>
+          <a:lnRef idx="2">
+            <a:schemeClr val="dk1"/>
+          </a:lnRef>
+          <a:fillRef idx="1">
+            <a:schemeClr val="lt1"/>
+          </a:fillRef>
+          <a:effectRef idx="0">
+            <a:schemeClr val="dk1"/>
+          </a:effectRef>
+          <a:fontRef idx="minor">
+            <a:schemeClr val="dk1"/>
+          </a:fontRef>
+        </p:style>
+        <p:txBody>
+          <a:bodyPr rtlCol="0" anchor="ctr"/>
+          <a:lstStyle/>
+          <a:p>
+            <a:pPr algn="ctr"/>
+            <a:r>
+              <a:rPr lang="en-US" dirty="0"/>
+              <a:t>?</a:t>
+            </a:r>
+            <a:endParaRPr lang="ko-US" dirty="0"/>
+          </a:p>
+        </p:txBody>
+      </p:sp>
+      <p:sp>
+        <p:nvSpPr>
+          <p:cNvPr id="12" name="직사각형 11">
+            <a:extLst>
+              <a:ext uri="{FF2B5EF4-FFF2-40B4-BE49-F238E27FC236}">
+                <a16:creationId xmlns:a16="http://schemas.microsoft.com/office/drawing/2014/main" id="{5062E3BC-0BC1-BDC0-6186-C74EBCFAC296}"/>
+              </a:ext>
+            </a:extLst>
+          </p:cNvPr>
+          <p:cNvSpPr/>
+          <p:nvPr/>
+        </p:nvSpPr>
+        <p:spPr>
+          <a:xfrm>
+            <a:off x="9485745" y="2595320"/>
+            <a:ext cx="330916" cy="348890"/>
+          </a:xfrm>
+          <a:prstGeom prst="rect">
+            <a:avLst/>
+          </a:prstGeom>
+        </p:spPr>
+        <p:style>
+          <a:lnRef idx="2">
+            <a:schemeClr val="dk1"/>
+          </a:lnRef>
+          <a:fillRef idx="1">
+            <a:schemeClr val="lt1"/>
+          </a:fillRef>
+          <a:effectRef idx="0">
+            <a:schemeClr val="dk1"/>
+          </a:effectRef>
+          <a:fontRef idx="minor">
+            <a:schemeClr val="dk1"/>
+          </a:fontRef>
+        </p:style>
+        <p:txBody>
+          <a:bodyPr rtlCol="0" anchor="ctr"/>
+          <a:lstStyle/>
+          <a:p>
+            <a:pPr algn="ctr"/>
+            <a:r>
+              <a:rPr lang="en-US" dirty="0"/>
+              <a:t>?</a:t>
+            </a:r>
+            <a:endParaRPr lang="ko-US" dirty="0"/>
+          </a:p>
+        </p:txBody>
+      </p:sp>
+      <p:sp>
+        <p:nvSpPr>
+          <p:cNvPr id="13" name="직사각형 12">
+            <a:extLst>
+              <a:ext uri="{FF2B5EF4-FFF2-40B4-BE49-F238E27FC236}">
+                <a16:creationId xmlns:a16="http://schemas.microsoft.com/office/drawing/2014/main" id="{D7BB5F22-C877-EEDA-9A6A-8D96128CA294}"/>
+              </a:ext>
+            </a:extLst>
+          </p:cNvPr>
+          <p:cNvSpPr/>
+          <p:nvPr/>
+        </p:nvSpPr>
+        <p:spPr>
+          <a:xfrm>
+            <a:off x="9485745" y="3176917"/>
+            <a:ext cx="330916" cy="348890"/>
+          </a:xfrm>
+          <a:prstGeom prst="rect">
+            <a:avLst/>
+          </a:prstGeom>
+        </p:spPr>
+        <p:style>
+          <a:lnRef idx="2">
+            <a:schemeClr val="dk1"/>
+          </a:lnRef>
+          <a:fillRef idx="1">
+            <a:schemeClr val="lt1"/>
+          </a:fillRef>
+          <a:effectRef idx="0">
+            <a:schemeClr val="dk1"/>
+          </a:effectRef>
+          <a:fontRef idx="minor">
+            <a:schemeClr val="dk1"/>
+          </a:fontRef>
+        </p:style>
+        <p:txBody>
+          <a:bodyPr rtlCol="0" anchor="ctr"/>
+          <a:lstStyle/>
+          <a:p>
+            <a:pPr algn="ctr"/>
+            <a:r>
+              <a:rPr lang="en-US" dirty="0"/>
+              <a:t>?</a:t>
+            </a:r>
+            <a:endParaRPr lang="ko-US" dirty="0"/>
+          </a:p>
+        </p:txBody>
+      </p:sp>
+      <p:sp>
+        <p:nvSpPr>
+          <p:cNvPr id="14" name="직사각형 13">
+            <a:extLst>
+              <a:ext uri="{FF2B5EF4-FFF2-40B4-BE49-F238E27FC236}">
+                <a16:creationId xmlns:a16="http://schemas.microsoft.com/office/drawing/2014/main" id="{1328A1BB-A3FA-3871-68F8-EEF555000B12}"/>
+              </a:ext>
+            </a:extLst>
+          </p:cNvPr>
+          <p:cNvSpPr/>
+          <p:nvPr/>
+        </p:nvSpPr>
+        <p:spPr>
+          <a:xfrm>
+            <a:off x="9485745" y="3759387"/>
+            <a:ext cx="330916" cy="348890"/>
+          </a:xfrm>
+          <a:prstGeom prst="rect">
+            <a:avLst/>
+          </a:prstGeom>
+        </p:spPr>
+        <p:style>
+          <a:lnRef idx="2">
+            <a:schemeClr val="dk1"/>
+          </a:lnRef>
+          <a:fillRef idx="1">
+            <a:schemeClr val="lt1"/>
+          </a:fillRef>
+          <a:effectRef idx="0">
+            <a:schemeClr val="dk1"/>
+          </a:effectRef>
+          <a:fontRef idx="minor">
+            <a:schemeClr val="dk1"/>
+          </a:fontRef>
+        </p:style>
+        <p:txBody>
+          <a:bodyPr rtlCol="0" anchor="ctr"/>
+          <a:lstStyle/>
+          <a:p>
+            <a:pPr algn="ctr"/>
+            <a:r>
+              <a:rPr lang="en-US" dirty="0"/>
+              <a:t>?</a:t>
+            </a:r>
+            <a:endParaRPr lang="ko-US" dirty="0"/>
+          </a:p>
+        </p:txBody>
+      </p:sp>
+      <p:grpSp>
+        <p:nvGrpSpPr>
+          <p:cNvPr id="16" name="그룹 15">
+            <a:extLst>
+              <a:ext uri="{FF2B5EF4-FFF2-40B4-BE49-F238E27FC236}">
+                <a16:creationId xmlns:a16="http://schemas.microsoft.com/office/drawing/2014/main" id="{2C7C9A1B-759C-086D-361A-F5115A164B36}"/>
+              </a:ext>
+            </a:extLst>
+          </p:cNvPr>
+          <p:cNvGrpSpPr/>
+          <p:nvPr/>
+        </p:nvGrpSpPr>
+        <p:grpSpPr>
+          <a:xfrm rot="18882072">
+            <a:off x="3021436" y="1371600"/>
+            <a:ext cx="2692908" cy="1888236"/>
+            <a:chOff x="2651760" y="1847088"/>
+            <a:chExt cx="2692908" cy="1888236"/>
+          </a:xfrm>
+        </p:grpSpPr>
+        <p:sp>
+          <p:nvSpPr>
+            <p:cNvPr id="23" name="직사각형 22">
+              <a:extLst>
+                <a:ext uri="{FF2B5EF4-FFF2-40B4-BE49-F238E27FC236}">
+                  <a16:creationId xmlns:a16="http://schemas.microsoft.com/office/drawing/2014/main" id="{0F7DE529-3018-669F-7122-9B0AE0CA1CE8}"/>
+                </a:ext>
+              </a:extLst>
+            </p:cNvPr>
+            <p:cNvSpPr/>
+            <p:nvPr/>
+          </p:nvSpPr>
+          <p:spPr>
+            <a:xfrm>
+              <a:off x="2651760" y="1847088"/>
+              <a:ext cx="612648" cy="1316736"/>
+            </a:xfrm>
+            <a:prstGeom prst="rect">
+              <a:avLst/>
+            </a:prstGeom>
+            <a:solidFill>
+              <a:srgbClr val="00B050"/>
+            </a:solidFill>
+            <a:ln>
+              <a:noFill/>
+            </a:ln>
+          </p:spPr>
+          <p:style>
+            <a:lnRef idx="2">
+              <a:schemeClr val="dk1"/>
+            </a:lnRef>
+            <a:fillRef idx="1">
+              <a:schemeClr val="lt1"/>
+            </a:fillRef>
+            <a:effectRef idx="0">
+              <a:schemeClr val="dk1"/>
+            </a:effectRef>
+            <a:fontRef idx="minor">
+              <a:schemeClr val="dk1"/>
+            </a:fontRef>
+          </p:style>
+          <p:txBody>
+            <a:bodyPr rtlCol="0" anchor="ctr"/>
+            <a:lstStyle/>
+            <a:p>
+              <a:pPr algn="ctr"/>
+              <a:endParaRPr lang="ko-US"/>
+            </a:p>
+          </p:txBody>
+        </p:sp>
+        <p:sp>
+          <p:nvSpPr>
+            <p:cNvPr id="24" name="직사각형 23">
+              <a:extLst>
+                <a:ext uri="{FF2B5EF4-FFF2-40B4-BE49-F238E27FC236}">
+                  <a16:creationId xmlns:a16="http://schemas.microsoft.com/office/drawing/2014/main" id="{0DF2D4A3-98E3-4CAB-84A5-B9116007DE70}"/>
+                </a:ext>
+              </a:extLst>
+            </p:cNvPr>
+            <p:cNvSpPr/>
+            <p:nvPr/>
+          </p:nvSpPr>
+          <p:spPr>
+            <a:xfrm rot="5400000">
+              <a:off x="3691890" y="2082546"/>
+              <a:ext cx="612648" cy="2692908"/>
+            </a:xfrm>
+            <a:prstGeom prst="rect">
+              <a:avLst/>
+            </a:prstGeom>
+            <a:solidFill>
+              <a:srgbClr val="00B050"/>
+            </a:solidFill>
+            <a:ln>
+              <a:noFill/>
+            </a:ln>
+          </p:spPr>
+          <p:style>
+            <a:lnRef idx="2">
+              <a:schemeClr val="dk1"/>
+            </a:lnRef>
+            <a:fillRef idx="1">
+              <a:schemeClr val="lt1"/>
+            </a:fillRef>
+            <a:effectRef idx="0">
+              <a:schemeClr val="dk1"/>
+            </a:effectRef>
+            <a:fontRef idx="minor">
+              <a:schemeClr val="dk1"/>
+            </a:fontRef>
+          </p:style>
+          <p:txBody>
+            <a:bodyPr rtlCol="0" anchor="ctr"/>
+            <a:lstStyle/>
+            <a:p>
+              <a:pPr algn="ctr"/>
+              <a:endParaRPr lang="ko-US"/>
             </a:p>
           </p:txBody>
         </p:sp>

--- a/uidesign.pptx
+++ b/uidesign.pptx
@@ -12880,27 +12880,7 @@
             <a:p>
               <a:r>
                 <a:rPr lang="en-US" dirty="0"/>
-                <a:t>5    </a:t>
-              </a:r>
-              <a:r>
-                <a:rPr lang="en-US" dirty="0">
-                  <a:solidFill>
-                    <a:schemeClr val="bg1">
-                      <a:lumMod val="75000"/>
-                    </a:schemeClr>
-                  </a:solidFill>
-                </a:rPr>
-                <a:t>// Max is 20, constraints adjustable by </a:t>
-              </a:r>
-              <a:r>
-                <a:rPr lang="en-US" dirty="0" err="1">
-                  <a:solidFill>
-                    <a:schemeClr val="bg1">
-                      <a:lumMod val="75000"/>
-                    </a:schemeClr>
-                  </a:solidFill>
-                </a:rPr>
-                <a:t>json</a:t>
+                <a:t>5</a:t>
               </a:r>
               <a:endParaRPr lang="ko-US" dirty="0">
                 <a:solidFill>
